--- a/weekly_report/group5/逻辑模型模板第五组wk2.pptx
+++ b/weekly_report/group5/逻辑模型模板第五组wk2.pptx
@@ -111,7 +111,7 @@
   </p:defaultTextStyle>
   <p:extLst>
     <p:ext uri="{EFAFB233-063F-42B5-8137-9DF3F51BA10A}">
-      <p15:sldGuideLst xmlns:p15="http://schemas.microsoft.com/office/powerpoint/2012/main"/>
+      <p15:sldGuideLst xmlns:p15="http://schemas.microsoft.com/office/powerpoint/2012/main" xmlns=""/>
     </p:ext>
   </p:extLst>
 </p:presentation>
@@ -143,7 +143,7 @@
           <p:cNvPr id="2" name="Title 1">
             <a:extLst>
               <a:ext uri="{FF2B5EF4-FFF2-40B4-BE49-F238E27FC236}">
-                <a16:creationId xmlns:a16="http://schemas.microsoft.com/office/drawing/2014/main" id="{07445669-301F-43A9-9C3D-69F00C7D7D58}"/>
+                <a16:creationId xmlns:a16="http://schemas.microsoft.com/office/drawing/2014/main" xmlns="" id="{07445669-301F-43A9-9C3D-69F00C7D7D58}"/>
               </a:ext>
             </a:extLst>
           </p:cNvPr>
@@ -181,7 +181,7 @@
           <p:cNvPr id="3" name="Subtitle 2">
             <a:extLst>
               <a:ext uri="{FF2B5EF4-FFF2-40B4-BE49-F238E27FC236}">
-                <a16:creationId xmlns:a16="http://schemas.microsoft.com/office/drawing/2014/main" id="{38290C41-B5D2-403E-9E8A-41DCC98AA77E}"/>
+                <a16:creationId xmlns:a16="http://schemas.microsoft.com/office/drawing/2014/main" xmlns="" id="{38290C41-B5D2-403E-9E8A-41DCC98AA77E}"/>
               </a:ext>
             </a:extLst>
           </p:cNvPr>
@@ -252,7 +252,7 @@
           <p:cNvPr id="4" name="Date Placeholder 3">
             <a:extLst>
               <a:ext uri="{FF2B5EF4-FFF2-40B4-BE49-F238E27FC236}">
-                <a16:creationId xmlns:a16="http://schemas.microsoft.com/office/drawing/2014/main" id="{9F1F8261-874B-42BD-B15D-F5A0A8F62994}"/>
+                <a16:creationId xmlns:a16="http://schemas.microsoft.com/office/drawing/2014/main" xmlns="" id="{9F1F8261-874B-42BD-B15D-F5A0A8F62994}"/>
               </a:ext>
             </a:extLst>
           </p:cNvPr>
@@ -281,7 +281,7 @@
           <p:cNvPr id="5" name="Footer Placeholder 4">
             <a:extLst>
               <a:ext uri="{FF2B5EF4-FFF2-40B4-BE49-F238E27FC236}">
-                <a16:creationId xmlns:a16="http://schemas.microsoft.com/office/drawing/2014/main" id="{AF8D4FED-34B3-46C2-B72D-B3C272C0D154}"/>
+                <a16:creationId xmlns:a16="http://schemas.microsoft.com/office/drawing/2014/main" xmlns="" id="{AF8D4FED-34B3-46C2-B72D-B3C272C0D154}"/>
               </a:ext>
             </a:extLst>
           </p:cNvPr>
@@ -306,7 +306,7 @@
           <p:cNvPr id="6" name="Slide Number Placeholder 5">
             <a:extLst>
               <a:ext uri="{FF2B5EF4-FFF2-40B4-BE49-F238E27FC236}">
-                <a16:creationId xmlns:a16="http://schemas.microsoft.com/office/drawing/2014/main" id="{7FF7DF2C-5DA0-422A-B555-0C96AF18B7E6}"/>
+                <a16:creationId xmlns:a16="http://schemas.microsoft.com/office/drawing/2014/main" xmlns="" id="{7FF7DF2C-5DA0-422A-B555-0C96AF18B7E6}"/>
               </a:ext>
             </a:extLst>
           </p:cNvPr>
@@ -365,7 +365,7 @@
           <p:cNvPr id="2" name="Title 1">
             <a:extLst>
               <a:ext uri="{FF2B5EF4-FFF2-40B4-BE49-F238E27FC236}">
-                <a16:creationId xmlns:a16="http://schemas.microsoft.com/office/drawing/2014/main" id="{8EF45C5F-A735-4B26-8E1A-75020B181B6C}"/>
+                <a16:creationId xmlns:a16="http://schemas.microsoft.com/office/drawing/2014/main" xmlns="" id="{8EF45C5F-A735-4B26-8E1A-75020B181B6C}"/>
               </a:ext>
             </a:extLst>
           </p:cNvPr>
@@ -394,7 +394,7 @@
           <p:cNvPr id="3" name="Vertical Text Placeholder 2">
             <a:extLst>
               <a:ext uri="{FF2B5EF4-FFF2-40B4-BE49-F238E27FC236}">
-                <a16:creationId xmlns:a16="http://schemas.microsoft.com/office/drawing/2014/main" id="{2474FAF8-CEAE-473D-8AF3-1A572A8B91C4}"/>
+                <a16:creationId xmlns:a16="http://schemas.microsoft.com/office/drawing/2014/main" xmlns="" id="{2474FAF8-CEAE-473D-8AF3-1A572A8B91C4}"/>
               </a:ext>
             </a:extLst>
           </p:cNvPr>
@@ -452,7 +452,7 @@
           <p:cNvPr id="4" name="Date Placeholder 3">
             <a:extLst>
               <a:ext uri="{FF2B5EF4-FFF2-40B4-BE49-F238E27FC236}">
-                <a16:creationId xmlns:a16="http://schemas.microsoft.com/office/drawing/2014/main" id="{0FDD8773-2EC6-48E5-AC34-EE6863EFFEFF}"/>
+                <a16:creationId xmlns:a16="http://schemas.microsoft.com/office/drawing/2014/main" xmlns="" id="{0FDD8773-2EC6-48E5-AC34-EE6863EFFEFF}"/>
               </a:ext>
             </a:extLst>
           </p:cNvPr>
@@ -481,7 +481,7 @@
           <p:cNvPr id="5" name="Footer Placeholder 4">
             <a:extLst>
               <a:ext uri="{FF2B5EF4-FFF2-40B4-BE49-F238E27FC236}">
-                <a16:creationId xmlns:a16="http://schemas.microsoft.com/office/drawing/2014/main" id="{213C844E-C731-4D4E-BBEC-5D828656CDF5}"/>
+                <a16:creationId xmlns:a16="http://schemas.microsoft.com/office/drawing/2014/main" xmlns="" id="{213C844E-C731-4D4E-BBEC-5D828656CDF5}"/>
               </a:ext>
             </a:extLst>
           </p:cNvPr>
@@ -506,7 +506,7 @@
           <p:cNvPr id="6" name="Slide Number Placeholder 5">
             <a:extLst>
               <a:ext uri="{FF2B5EF4-FFF2-40B4-BE49-F238E27FC236}">
-                <a16:creationId xmlns:a16="http://schemas.microsoft.com/office/drawing/2014/main" id="{9B706227-3058-412C-9C4D-A74B965B7986}"/>
+                <a16:creationId xmlns:a16="http://schemas.microsoft.com/office/drawing/2014/main" xmlns="" id="{9B706227-3058-412C-9C4D-A74B965B7986}"/>
               </a:ext>
             </a:extLst>
           </p:cNvPr>
@@ -565,7 +565,7 @@
           <p:cNvPr id="2" name="Vertical Title 1">
             <a:extLst>
               <a:ext uri="{FF2B5EF4-FFF2-40B4-BE49-F238E27FC236}">
-                <a16:creationId xmlns:a16="http://schemas.microsoft.com/office/drawing/2014/main" id="{5BD3D67B-1240-41F6-91A6-664EEEB2BDE2}"/>
+                <a16:creationId xmlns:a16="http://schemas.microsoft.com/office/drawing/2014/main" xmlns="" id="{5BD3D67B-1240-41F6-91A6-664EEEB2BDE2}"/>
               </a:ext>
             </a:extLst>
           </p:cNvPr>
@@ -599,7 +599,7 @@
           <p:cNvPr id="3" name="Vertical Text Placeholder 2">
             <a:extLst>
               <a:ext uri="{FF2B5EF4-FFF2-40B4-BE49-F238E27FC236}">
-                <a16:creationId xmlns:a16="http://schemas.microsoft.com/office/drawing/2014/main" id="{FFA1F69A-EECF-46FB-8702-0F68453EF18A}"/>
+                <a16:creationId xmlns:a16="http://schemas.microsoft.com/office/drawing/2014/main" xmlns="" id="{FFA1F69A-EECF-46FB-8702-0F68453EF18A}"/>
               </a:ext>
             </a:extLst>
           </p:cNvPr>
@@ -662,7 +662,7 @@
           <p:cNvPr id="4" name="Date Placeholder 3">
             <a:extLst>
               <a:ext uri="{FF2B5EF4-FFF2-40B4-BE49-F238E27FC236}">
-                <a16:creationId xmlns:a16="http://schemas.microsoft.com/office/drawing/2014/main" id="{278C9569-7970-4D63-A917-226F1CF8A1E6}"/>
+                <a16:creationId xmlns:a16="http://schemas.microsoft.com/office/drawing/2014/main" xmlns="" id="{278C9569-7970-4D63-A917-226F1CF8A1E6}"/>
               </a:ext>
             </a:extLst>
           </p:cNvPr>
@@ -691,7 +691,7 @@
           <p:cNvPr id="5" name="Footer Placeholder 4">
             <a:extLst>
               <a:ext uri="{FF2B5EF4-FFF2-40B4-BE49-F238E27FC236}">
-                <a16:creationId xmlns:a16="http://schemas.microsoft.com/office/drawing/2014/main" id="{2BFD6311-0570-41C6-8C1C-E93424ABAA0F}"/>
+                <a16:creationId xmlns:a16="http://schemas.microsoft.com/office/drawing/2014/main" xmlns="" id="{2BFD6311-0570-41C6-8C1C-E93424ABAA0F}"/>
               </a:ext>
             </a:extLst>
           </p:cNvPr>
@@ -716,7 +716,7 @@
           <p:cNvPr id="6" name="Slide Number Placeholder 5">
             <a:extLst>
               <a:ext uri="{FF2B5EF4-FFF2-40B4-BE49-F238E27FC236}">
-                <a16:creationId xmlns:a16="http://schemas.microsoft.com/office/drawing/2014/main" id="{74A2AA57-2E67-4020-89DA-EB509724FE2B}"/>
+                <a16:creationId xmlns:a16="http://schemas.microsoft.com/office/drawing/2014/main" xmlns="" id="{74A2AA57-2E67-4020-89DA-EB509724FE2B}"/>
               </a:ext>
             </a:extLst>
           </p:cNvPr>
@@ -775,7 +775,7 @@
           <p:cNvPr id="2" name="Title 1">
             <a:extLst>
               <a:ext uri="{FF2B5EF4-FFF2-40B4-BE49-F238E27FC236}">
-                <a16:creationId xmlns:a16="http://schemas.microsoft.com/office/drawing/2014/main" id="{6E402C8C-C9D2-47E2-94BC-B66D30D04A70}"/>
+                <a16:creationId xmlns:a16="http://schemas.microsoft.com/office/drawing/2014/main" xmlns="" id="{6E402C8C-C9D2-47E2-94BC-B66D30D04A70}"/>
               </a:ext>
             </a:extLst>
           </p:cNvPr>
@@ -804,7 +804,7 @@
           <p:cNvPr id="3" name="Content Placeholder 2">
             <a:extLst>
               <a:ext uri="{FF2B5EF4-FFF2-40B4-BE49-F238E27FC236}">
-                <a16:creationId xmlns:a16="http://schemas.microsoft.com/office/drawing/2014/main" id="{D8DA4158-6664-40F2-9954-0BB55367CDB2}"/>
+                <a16:creationId xmlns:a16="http://schemas.microsoft.com/office/drawing/2014/main" xmlns="" id="{D8DA4158-6664-40F2-9954-0BB55367CDB2}"/>
               </a:ext>
             </a:extLst>
           </p:cNvPr>
@@ -862,7 +862,7 @@
           <p:cNvPr id="4" name="Date Placeholder 3">
             <a:extLst>
               <a:ext uri="{FF2B5EF4-FFF2-40B4-BE49-F238E27FC236}">
-                <a16:creationId xmlns:a16="http://schemas.microsoft.com/office/drawing/2014/main" id="{90BC7B21-7F79-47C1-9D72-D0F4CCB1D7F0}"/>
+                <a16:creationId xmlns:a16="http://schemas.microsoft.com/office/drawing/2014/main" xmlns="" id="{90BC7B21-7F79-47C1-9D72-D0F4CCB1D7F0}"/>
               </a:ext>
             </a:extLst>
           </p:cNvPr>
@@ -891,7 +891,7 @@
           <p:cNvPr id="5" name="Footer Placeholder 4">
             <a:extLst>
               <a:ext uri="{FF2B5EF4-FFF2-40B4-BE49-F238E27FC236}">
-                <a16:creationId xmlns:a16="http://schemas.microsoft.com/office/drawing/2014/main" id="{1DA64D88-5E74-4FC6-AEF9-B1C1F5657256}"/>
+                <a16:creationId xmlns:a16="http://schemas.microsoft.com/office/drawing/2014/main" xmlns="" id="{1DA64D88-5E74-4FC6-AEF9-B1C1F5657256}"/>
               </a:ext>
             </a:extLst>
           </p:cNvPr>
@@ -916,7 +916,7 @@
           <p:cNvPr id="6" name="Slide Number Placeholder 5">
             <a:extLst>
               <a:ext uri="{FF2B5EF4-FFF2-40B4-BE49-F238E27FC236}">
-                <a16:creationId xmlns:a16="http://schemas.microsoft.com/office/drawing/2014/main" id="{04F2056A-A434-42DD-A04E-827E5EF45E9C}"/>
+                <a16:creationId xmlns:a16="http://schemas.microsoft.com/office/drawing/2014/main" xmlns="" id="{04F2056A-A434-42DD-A04E-827E5EF45E9C}"/>
               </a:ext>
             </a:extLst>
           </p:cNvPr>
@@ -975,7 +975,7 @@
           <p:cNvPr id="2" name="Title 1">
             <a:extLst>
               <a:ext uri="{FF2B5EF4-FFF2-40B4-BE49-F238E27FC236}">
-                <a16:creationId xmlns:a16="http://schemas.microsoft.com/office/drawing/2014/main" id="{DE853488-3068-45B6-A1F3-E5C2F152FF45}"/>
+                <a16:creationId xmlns:a16="http://schemas.microsoft.com/office/drawing/2014/main" xmlns="" id="{DE853488-3068-45B6-A1F3-E5C2F152FF45}"/>
               </a:ext>
             </a:extLst>
           </p:cNvPr>
@@ -1013,7 +1013,7 @@
           <p:cNvPr id="3" name="Text Placeholder 2">
             <a:extLst>
               <a:ext uri="{FF2B5EF4-FFF2-40B4-BE49-F238E27FC236}">
-                <a16:creationId xmlns:a16="http://schemas.microsoft.com/office/drawing/2014/main" id="{16D6CCE5-519D-4DAB-A538-37EB9EBB6CF3}"/>
+                <a16:creationId xmlns:a16="http://schemas.microsoft.com/office/drawing/2014/main" xmlns="" id="{16D6CCE5-519D-4DAB-A538-37EB9EBB6CF3}"/>
               </a:ext>
             </a:extLst>
           </p:cNvPr>
@@ -1138,7 +1138,7 @@
           <p:cNvPr id="4" name="Date Placeholder 3">
             <a:extLst>
               <a:ext uri="{FF2B5EF4-FFF2-40B4-BE49-F238E27FC236}">
-                <a16:creationId xmlns:a16="http://schemas.microsoft.com/office/drawing/2014/main" id="{880E6103-5262-4EF3-A4BD-044442CB9C5D}"/>
+                <a16:creationId xmlns:a16="http://schemas.microsoft.com/office/drawing/2014/main" xmlns="" id="{880E6103-5262-4EF3-A4BD-044442CB9C5D}"/>
               </a:ext>
             </a:extLst>
           </p:cNvPr>
@@ -1167,7 +1167,7 @@
           <p:cNvPr id="5" name="Footer Placeholder 4">
             <a:extLst>
               <a:ext uri="{FF2B5EF4-FFF2-40B4-BE49-F238E27FC236}">
-                <a16:creationId xmlns:a16="http://schemas.microsoft.com/office/drawing/2014/main" id="{AD0CC255-9514-467B-8253-A93E3B92B0A3}"/>
+                <a16:creationId xmlns:a16="http://schemas.microsoft.com/office/drawing/2014/main" xmlns="" id="{AD0CC255-9514-467B-8253-A93E3B92B0A3}"/>
               </a:ext>
             </a:extLst>
           </p:cNvPr>
@@ -1192,7 +1192,7 @@
           <p:cNvPr id="6" name="Slide Number Placeholder 5">
             <a:extLst>
               <a:ext uri="{FF2B5EF4-FFF2-40B4-BE49-F238E27FC236}">
-                <a16:creationId xmlns:a16="http://schemas.microsoft.com/office/drawing/2014/main" id="{332C5E40-119C-4397-A39F-09858937C7D8}"/>
+                <a16:creationId xmlns:a16="http://schemas.microsoft.com/office/drawing/2014/main" xmlns="" id="{332C5E40-119C-4397-A39F-09858937C7D8}"/>
               </a:ext>
             </a:extLst>
           </p:cNvPr>
@@ -1251,7 +1251,7 @@
           <p:cNvPr id="2" name="Title 1">
             <a:extLst>
               <a:ext uri="{FF2B5EF4-FFF2-40B4-BE49-F238E27FC236}">
-                <a16:creationId xmlns:a16="http://schemas.microsoft.com/office/drawing/2014/main" id="{7A06B991-4111-4022-AF63-518C99B83673}"/>
+                <a16:creationId xmlns:a16="http://schemas.microsoft.com/office/drawing/2014/main" xmlns="" id="{7A06B991-4111-4022-AF63-518C99B83673}"/>
               </a:ext>
             </a:extLst>
           </p:cNvPr>
@@ -1280,7 +1280,7 @@
           <p:cNvPr id="3" name="Content Placeholder 2">
             <a:extLst>
               <a:ext uri="{FF2B5EF4-FFF2-40B4-BE49-F238E27FC236}">
-                <a16:creationId xmlns:a16="http://schemas.microsoft.com/office/drawing/2014/main" id="{B709F883-ECB0-423D-B0B2-7E7684221D1D}"/>
+                <a16:creationId xmlns:a16="http://schemas.microsoft.com/office/drawing/2014/main" xmlns="" id="{B709F883-ECB0-423D-B0B2-7E7684221D1D}"/>
               </a:ext>
             </a:extLst>
           </p:cNvPr>
@@ -1343,7 +1343,7 @@
           <p:cNvPr id="4" name="Content Placeholder 3">
             <a:extLst>
               <a:ext uri="{FF2B5EF4-FFF2-40B4-BE49-F238E27FC236}">
-                <a16:creationId xmlns:a16="http://schemas.microsoft.com/office/drawing/2014/main" id="{69DBD809-74E7-4C99-B938-74DD2E03AEA6}"/>
+                <a16:creationId xmlns:a16="http://schemas.microsoft.com/office/drawing/2014/main" xmlns="" id="{69DBD809-74E7-4C99-B938-74DD2E03AEA6}"/>
               </a:ext>
             </a:extLst>
           </p:cNvPr>
@@ -1406,7 +1406,7 @@
           <p:cNvPr id="5" name="Date Placeholder 4">
             <a:extLst>
               <a:ext uri="{FF2B5EF4-FFF2-40B4-BE49-F238E27FC236}">
-                <a16:creationId xmlns:a16="http://schemas.microsoft.com/office/drawing/2014/main" id="{D55D09E8-5E04-43D4-BBD6-C885BB261384}"/>
+                <a16:creationId xmlns:a16="http://schemas.microsoft.com/office/drawing/2014/main" xmlns="" id="{D55D09E8-5E04-43D4-BBD6-C885BB261384}"/>
               </a:ext>
             </a:extLst>
           </p:cNvPr>
@@ -1435,7 +1435,7 @@
           <p:cNvPr id="6" name="Footer Placeholder 5">
             <a:extLst>
               <a:ext uri="{FF2B5EF4-FFF2-40B4-BE49-F238E27FC236}">
-                <a16:creationId xmlns:a16="http://schemas.microsoft.com/office/drawing/2014/main" id="{99E11795-E616-4062-A86F-AAE4F602D20E}"/>
+                <a16:creationId xmlns:a16="http://schemas.microsoft.com/office/drawing/2014/main" xmlns="" id="{99E11795-E616-4062-A86F-AAE4F602D20E}"/>
               </a:ext>
             </a:extLst>
           </p:cNvPr>
@@ -1460,7 +1460,7 @@
           <p:cNvPr id="7" name="Slide Number Placeholder 6">
             <a:extLst>
               <a:ext uri="{FF2B5EF4-FFF2-40B4-BE49-F238E27FC236}">
-                <a16:creationId xmlns:a16="http://schemas.microsoft.com/office/drawing/2014/main" id="{F493213F-04D6-4C79-AB72-9382815B23CF}"/>
+                <a16:creationId xmlns:a16="http://schemas.microsoft.com/office/drawing/2014/main" xmlns="" id="{F493213F-04D6-4C79-AB72-9382815B23CF}"/>
               </a:ext>
             </a:extLst>
           </p:cNvPr>
@@ -1519,7 +1519,7 @@
           <p:cNvPr id="2" name="Title 1">
             <a:extLst>
               <a:ext uri="{FF2B5EF4-FFF2-40B4-BE49-F238E27FC236}">
-                <a16:creationId xmlns:a16="http://schemas.microsoft.com/office/drawing/2014/main" id="{208CCC15-7EE5-40E6-AE4D-2B8267D226A4}"/>
+                <a16:creationId xmlns:a16="http://schemas.microsoft.com/office/drawing/2014/main" xmlns="" id="{208CCC15-7EE5-40E6-AE4D-2B8267D226A4}"/>
               </a:ext>
             </a:extLst>
           </p:cNvPr>
@@ -1553,7 +1553,7 @@
           <p:cNvPr id="3" name="Text Placeholder 2">
             <a:extLst>
               <a:ext uri="{FF2B5EF4-FFF2-40B4-BE49-F238E27FC236}">
-                <a16:creationId xmlns:a16="http://schemas.microsoft.com/office/drawing/2014/main" id="{2C351977-1432-4CF6-B2FA-E74B31A4A21A}"/>
+                <a16:creationId xmlns:a16="http://schemas.microsoft.com/office/drawing/2014/main" xmlns="" id="{2C351977-1432-4CF6-B2FA-E74B31A4A21A}"/>
               </a:ext>
             </a:extLst>
           </p:cNvPr>
@@ -1624,7 +1624,7 @@
           <p:cNvPr id="4" name="Content Placeholder 3">
             <a:extLst>
               <a:ext uri="{FF2B5EF4-FFF2-40B4-BE49-F238E27FC236}">
-                <a16:creationId xmlns:a16="http://schemas.microsoft.com/office/drawing/2014/main" id="{2F5E2ADB-4141-4C34-95A2-AA44955092D5}"/>
+                <a16:creationId xmlns:a16="http://schemas.microsoft.com/office/drawing/2014/main" xmlns="" id="{2F5E2ADB-4141-4C34-95A2-AA44955092D5}"/>
               </a:ext>
             </a:extLst>
           </p:cNvPr>
@@ -1687,7 +1687,7 @@
           <p:cNvPr id="5" name="Text Placeholder 4">
             <a:extLst>
               <a:ext uri="{FF2B5EF4-FFF2-40B4-BE49-F238E27FC236}">
-                <a16:creationId xmlns:a16="http://schemas.microsoft.com/office/drawing/2014/main" id="{2C7DB392-B793-41E9-A4FE-4381578E273C}"/>
+                <a16:creationId xmlns:a16="http://schemas.microsoft.com/office/drawing/2014/main" xmlns="" id="{2C7DB392-B793-41E9-A4FE-4381578E273C}"/>
               </a:ext>
             </a:extLst>
           </p:cNvPr>
@@ -1758,7 +1758,7 @@
           <p:cNvPr id="6" name="Content Placeholder 5">
             <a:extLst>
               <a:ext uri="{FF2B5EF4-FFF2-40B4-BE49-F238E27FC236}">
-                <a16:creationId xmlns:a16="http://schemas.microsoft.com/office/drawing/2014/main" id="{A8E6E7C9-09C7-4CD0-BCFC-8422AB2070F3}"/>
+                <a16:creationId xmlns:a16="http://schemas.microsoft.com/office/drawing/2014/main" xmlns="" id="{A8E6E7C9-09C7-4CD0-BCFC-8422AB2070F3}"/>
               </a:ext>
             </a:extLst>
           </p:cNvPr>
@@ -1821,7 +1821,7 @@
           <p:cNvPr id="7" name="Date Placeholder 6">
             <a:extLst>
               <a:ext uri="{FF2B5EF4-FFF2-40B4-BE49-F238E27FC236}">
-                <a16:creationId xmlns:a16="http://schemas.microsoft.com/office/drawing/2014/main" id="{F5241E70-B8C6-47AA-9E50-2D08A46CE338}"/>
+                <a16:creationId xmlns:a16="http://schemas.microsoft.com/office/drawing/2014/main" xmlns="" id="{F5241E70-B8C6-47AA-9E50-2D08A46CE338}"/>
               </a:ext>
             </a:extLst>
           </p:cNvPr>
@@ -1850,7 +1850,7 @@
           <p:cNvPr id="8" name="Footer Placeholder 7">
             <a:extLst>
               <a:ext uri="{FF2B5EF4-FFF2-40B4-BE49-F238E27FC236}">
-                <a16:creationId xmlns:a16="http://schemas.microsoft.com/office/drawing/2014/main" id="{3474BFBE-6BBE-4B72-BF2A-3BF86C56E5DE}"/>
+                <a16:creationId xmlns:a16="http://schemas.microsoft.com/office/drawing/2014/main" xmlns="" id="{3474BFBE-6BBE-4B72-BF2A-3BF86C56E5DE}"/>
               </a:ext>
             </a:extLst>
           </p:cNvPr>
@@ -1875,7 +1875,7 @@
           <p:cNvPr id="9" name="Slide Number Placeholder 8">
             <a:extLst>
               <a:ext uri="{FF2B5EF4-FFF2-40B4-BE49-F238E27FC236}">
-                <a16:creationId xmlns:a16="http://schemas.microsoft.com/office/drawing/2014/main" id="{323B11BA-3D70-45F3-A603-5E501CB9C35E}"/>
+                <a16:creationId xmlns:a16="http://schemas.microsoft.com/office/drawing/2014/main" xmlns="" id="{323B11BA-3D70-45F3-A603-5E501CB9C35E}"/>
               </a:ext>
             </a:extLst>
           </p:cNvPr>
@@ -1934,7 +1934,7 @@
           <p:cNvPr id="2" name="Title 1">
             <a:extLst>
               <a:ext uri="{FF2B5EF4-FFF2-40B4-BE49-F238E27FC236}">
-                <a16:creationId xmlns:a16="http://schemas.microsoft.com/office/drawing/2014/main" id="{0C41DD4A-1AB9-495D-837B-AD38F03A4459}"/>
+                <a16:creationId xmlns:a16="http://schemas.microsoft.com/office/drawing/2014/main" xmlns="" id="{0C41DD4A-1AB9-495D-837B-AD38F03A4459}"/>
               </a:ext>
             </a:extLst>
           </p:cNvPr>
@@ -1963,7 +1963,7 @@
           <p:cNvPr id="3" name="Date Placeholder 2">
             <a:extLst>
               <a:ext uri="{FF2B5EF4-FFF2-40B4-BE49-F238E27FC236}">
-                <a16:creationId xmlns:a16="http://schemas.microsoft.com/office/drawing/2014/main" id="{41B3F5FA-AB56-40E6-A5DB-DF0C3125660A}"/>
+                <a16:creationId xmlns:a16="http://schemas.microsoft.com/office/drawing/2014/main" xmlns="" id="{41B3F5FA-AB56-40E6-A5DB-DF0C3125660A}"/>
               </a:ext>
             </a:extLst>
           </p:cNvPr>
@@ -1992,7 +1992,7 @@
           <p:cNvPr id="4" name="Footer Placeholder 3">
             <a:extLst>
               <a:ext uri="{FF2B5EF4-FFF2-40B4-BE49-F238E27FC236}">
-                <a16:creationId xmlns:a16="http://schemas.microsoft.com/office/drawing/2014/main" id="{562ADE76-EB45-4BDB-8566-B1EFBA6A4DF1}"/>
+                <a16:creationId xmlns:a16="http://schemas.microsoft.com/office/drawing/2014/main" xmlns="" id="{562ADE76-EB45-4BDB-8566-B1EFBA6A4DF1}"/>
               </a:ext>
             </a:extLst>
           </p:cNvPr>
@@ -2017,7 +2017,7 @@
           <p:cNvPr id="5" name="Slide Number Placeholder 4">
             <a:extLst>
               <a:ext uri="{FF2B5EF4-FFF2-40B4-BE49-F238E27FC236}">
-                <a16:creationId xmlns:a16="http://schemas.microsoft.com/office/drawing/2014/main" id="{079A4EC9-B703-42B5-8F73-1E1114D71D03}"/>
+                <a16:creationId xmlns:a16="http://schemas.microsoft.com/office/drawing/2014/main" xmlns="" id="{079A4EC9-B703-42B5-8F73-1E1114D71D03}"/>
               </a:ext>
             </a:extLst>
           </p:cNvPr>
@@ -2076,7 +2076,7 @@
           <p:cNvPr id="2" name="Date Placeholder 1">
             <a:extLst>
               <a:ext uri="{FF2B5EF4-FFF2-40B4-BE49-F238E27FC236}">
-                <a16:creationId xmlns:a16="http://schemas.microsoft.com/office/drawing/2014/main" id="{24BFDBE5-0842-4DDB-8579-B787A9E6599B}"/>
+                <a16:creationId xmlns:a16="http://schemas.microsoft.com/office/drawing/2014/main" xmlns="" id="{24BFDBE5-0842-4DDB-8579-B787A9E6599B}"/>
               </a:ext>
             </a:extLst>
           </p:cNvPr>
@@ -2105,7 +2105,7 @@
           <p:cNvPr id="3" name="Footer Placeholder 2">
             <a:extLst>
               <a:ext uri="{FF2B5EF4-FFF2-40B4-BE49-F238E27FC236}">
-                <a16:creationId xmlns:a16="http://schemas.microsoft.com/office/drawing/2014/main" id="{567D2AFE-BCD7-486D-9882-800861101923}"/>
+                <a16:creationId xmlns:a16="http://schemas.microsoft.com/office/drawing/2014/main" xmlns="" id="{567D2AFE-BCD7-486D-9882-800861101923}"/>
               </a:ext>
             </a:extLst>
           </p:cNvPr>
@@ -2130,7 +2130,7 @@
           <p:cNvPr id="4" name="Slide Number Placeholder 3">
             <a:extLst>
               <a:ext uri="{FF2B5EF4-FFF2-40B4-BE49-F238E27FC236}">
-                <a16:creationId xmlns:a16="http://schemas.microsoft.com/office/drawing/2014/main" id="{09EF280A-826F-4DAC-B402-BA4F1F9F54DB}"/>
+                <a16:creationId xmlns:a16="http://schemas.microsoft.com/office/drawing/2014/main" xmlns="" id="{09EF280A-826F-4DAC-B402-BA4F1F9F54DB}"/>
               </a:ext>
             </a:extLst>
           </p:cNvPr>
@@ -2189,7 +2189,7 @@
           <p:cNvPr id="2" name="Title 1">
             <a:extLst>
               <a:ext uri="{FF2B5EF4-FFF2-40B4-BE49-F238E27FC236}">
-                <a16:creationId xmlns:a16="http://schemas.microsoft.com/office/drawing/2014/main" id="{F3579749-3493-4AE1-B581-903D55B4A8E7}"/>
+                <a16:creationId xmlns:a16="http://schemas.microsoft.com/office/drawing/2014/main" xmlns="" id="{F3579749-3493-4AE1-B581-903D55B4A8E7}"/>
               </a:ext>
             </a:extLst>
           </p:cNvPr>
@@ -2227,7 +2227,7 @@
           <p:cNvPr id="3" name="Content Placeholder 2">
             <a:extLst>
               <a:ext uri="{FF2B5EF4-FFF2-40B4-BE49-F238E27FC236}">
-                <a16:creationId xmlns:a16="http://schemas.microsoft.com/office/drawing/2014/main" id="{5CF28E32-BC61-4EB4-99BA-29782023C964}"/>
+                <a16:creationId xmlns:a16="http://schemas.microsoft.com/office/drawing/2014/main" xmlns="" id="{5CF28E32-BC61-4EB4-99BA-29782023C964}"/>
               </a:ext>
             </a:extLst>
           </p:cNvPr>
@@ -2318,7 +2318,7 @@
           <p:cNvPr id="4" name="Text Placeholder 3">
             <a:extLst>
               <a:ext uri="{FF2B5EF4-FFF2-40B4-BE49-F238E27FC236}">
-                <a16:creationId xmlns:a16="http://schemas.microsoft.com/office/drawing/2014/main" id="{72611E4F-982F-4601-A265-F20BADEE729A}"/>
+                <a16:creationId xmlns:a16="http://schemas.microsoft.com/office/drawing/2014/main" xmlns="" id="{72611E4F-982F-4601-A265-F20BADEE729A}"/>
               </a:ext>
             </a:extLst>
           </p:cNvPr>
@@ -2389,7 +2389,7 @@
           <p:cNvPr id="5" name="Date Placeholder 4">
             <a:extLst>
               <a:ext uri="{FF2B5EF4-FFF2-40B4-BE49-F238E27FC236}">
-                <a16:creationId xmlns:a16="http://schemas.microsoft.com/office/drawing/2014/main" id="{47AAA5F4-4436-4A77-94F8-C6A8B8441567}"/>
+                <a16:creationId xmlns:a16="http://schemas.microsoft.com/office/drawing/2014/main" xmlns="" id="{47AAA5F4-4436-4A77-94F8-C6A8B8441567}"/>
               </a:ext>
             </a:extLst>
           </p:cNvPr>
@@ -2418,7 +2418,7 @@
           <p:cNvPr id="6" name="Footer Placeholder 5">
             <a:extLst>
               <a:ext uri="{FF2B5EF4-FFF2-40B4-BE49-F238E27FC236}">
-                <a16:creationId xmlns:a16="http://schemas.microsoft.com/office/drawing/2014/main" id="{61995FF8-AD12-4B7C-94E6-C1DD06F67824}"/>
+                <a16:creationId xmlns:a16="http://schemas.microsoft.com/office/drawing/2014/main" xmlns="" id="{61995FF8-AD12-4B7C-94E6-C1DD06F67824}"/>
               </a:ext>
             </a:extLst>
           </p:cNvPr>
@@ -2443,7 +2443,7 @@
           <p:cNvPr id="7" name="Slide Number Placeholder 6">
             <a:extLst>
               <a:ext uri="{FF2B5EF4-FFF2-40B4-BE49-F238E27FC236}">
-                <a16:creationId xmlns:a16="http://schemas.microsoft.com/office/drawing/2014/main" id="{68885A52-D451-4E6C-BB2F-A3B8FECAC03E}"/>
+                <a16:creationId xmlns:a16="http://schemas.microsoft.com/office/drawing/2014/main" xmlns="" id="{68885A52-D451-4E6C-BB2F-A3B8FECAC03E}"/>
               </a:ext>
             </a:extLst>
           </p:cNvPr>
@@ -2502,7 +2502,7 @@
           <p:cNvPr id="2" name="Title 1">
             <a:extLst>
               <a:ext uri="{FF2B5EF4-FFF2-40B4-BE49-F238E27FC236}">
-                <a16:creationId xmlns:a16="http://schemas.microsoft.com/office/drawing/2014/main" id="{C647ED3A-3DB2-4155-9E82-4B2FDFEB7DFB}"/>
+                <a16:creationId xmlns:a16="http://schemas.microsoft.com/office/drawing/2014/main" xmlns="" id="{C647ED3A-3DB2-4155-9E82-4B2FDFEB7DFB}"/>
               </a:ext>
             </a:extLst>
           </p:cNvPr>
@@ -2540,7 +2540,7 @@
           <p:cNvPr id="3" name="Picture Placeholder 2">
             <a:extLst>
               <a:ext uri="{FF2B5EF4-FFF2-40B4-BE49-F238E27FC236}">
-                <a16:creationId xmlns:a16="http://schemas.microsoft.com/office/drawing/2014/main" id="{C7397768-647C-47A9-A998-84396B14756E}"/>
+                <a16:creationId xmlns:a16="http://schemas.microsoft.com/office/drawing/2014/main" xmlns="" id="{C7397768-647C-47A9-A998-84396B14756E}"/>
               </a:ext>
             </a:extLst>
           </p:cNvPr>
@@ -2607,7 +2607,7 @@
           <p:cNvPr id="4" name="Text Placeholder 3">
             <a:extLst>
               <a:ext uri="{FF2B5EF4-FFF2-40B4-BE49-F238E27FC236}">
-                <a16:creationId xmlns:a16="http://schemas.microsoft.com/office/drawing/2014/main" id="{E7ED2DBC-8D71-4189-8CF1-A9816DF4972B}"/>
+                <a16:creationId xmlns:a16="http://schemas.microsoft.com/office/drawing/2014/main" xmlns="" id="{E7ED2DBC-8D71-4189-8CF1-A9816DF4972B}"/>
               </a:ext>
             </a:extLst>
           </p:cNvPr>
@@ -2678,7 +2678,7 @@
           <p:cNvPr id="5" name="Date Placeholder 4">
             <a:extLst>
               <a:ext uri="{FF2B5EF4-FFF2-40B4-BE49-F238E27FC236}">
-                <a16:creationId xmlns:a16="http://schemas.microsoft.com/office/drawing/2014/main" id="{B91E32BD-6474-4245-8F1F-5FBC653F8C87}"/>
+                <a16:creationId xmlns:a16="http://schemas.microsoft.com/office/drawing/2014/main" xmlns="" id="{B91E32BD-6474-4245-8F1F-5FBC653F8C87}"/>
               </a:ext>
             </a:extLst>
           </p:cNvPr>
@@ -2707,7 +2707,7 @@
           <p:cNvPr id="6" name="Footer Placeholder 5">
             <a:extLst>
               <a:ext uri="{FF2B5EF4-FFF2-40B4-BE49-F238E27FC236}">
-                <a16:creationId xmlns:a16="http://schemas.microsoft.com/office/drawing/2014/main" id="{7FE0C3A9-8881-41D4-B814-AC2E6DDB06F5}"/>
+                <a16:creationId xmlns:a16="http://schemas.microsoft.com/office/drawing/2014/main" xmlns="" id="{7FE0C3A9-8881-41D4-B814-AC2E6DDB06F5}"/>
               </a:ext>
             </a:extLst>
           </p:cNvPr>
@@ -2732,7 +2732,7 @@
           <p:cNvPr id="7" name="Slide Number Placeholder 6">
             <a:extLst>
               <a:ext uri="{FF2B5EF4-FFF2-40B4-BE49-F238E27FC236}">
-                <a16:creationId xmlns:a16="http://schemas.microsoft.com/office/drawing/2014/main" id="{6F6A0AA7-4BA1-49EA-8B44-6552145EBB0E}"/>
+                <a16:creationId xmlns:a16="http://schemas.microsoft.com/office/drawing/2014/main" xmlns="" id="{6F6A0AA7-4BA1-49EA-8B44-6552145EBB0E}"/>
               </a:ext>
             </a:extLst>
           </p:cNvPr>
@@ -2796,7 +2796,7 @@
           <p:cNvPr id="2" name="Title Placeholder 1">
             <a:extLst>
               <a:ext uri="{FF2B5EF4-FFF2-40B4-BE49-F238E27FC236}">
-                <a16:creationId xmlns:a16="http://schemas.microsoft.com/office/drawing/2014/main" id="{B53DBF92-6916-46A7-8BC9-1F3BA55133F8}"/>
+                <a16:creationId xmlns:a16="http://schemas.microsoft.com/office/drawing/2014/main" xmlns="" id="{B53DBF92-6916-46A7-8BC9-1F3BA55133F8}"/>
               </a:ext>
             </a:extLst>
           </p:cNvPr>
@@ -2835,7 +2835,7 @@
           <p:cNvPr id="3" name="Text Placeholder 2">
             <a:extLst>
               <a:ext uri="{FF2B5EF4-FFF2-40B4-BE49-F238E27FC236}">
-                <a16:creationId xmlns:a16="http://schemas.microsoft.com/office/drawing/2014/main" id="{5D44C065-0B3E-4F0B-AF6B-C3D43A8711FA}"/>
+                <a16:creationId xmlns:a16="http://schemas.microsoft.com/office/drawing/2014/main" xmlns="" id="{5D44C065-0B3E-4F0B-AF6B-C3D43A8711FA}"/>
               </a:ext>
             </a:extLst>
           </p:cNvPr>
@@ -2903,7 +2903,7 @@
           <p:cNvPr id="4" name="Date Placeholder 3">
             <a:extLst>
               <a:ext uri="{FF2B5EF4-FFF2-40B4-BE49-F238E27FC236}">
-                <a16:creationId xmlns:a16="http://schemas.microsoft.com/office/drawing/2014/main" id="{60AB3EAE-75F2-4AB7-BCE5-3A5F1A268F17}"/>
+                <a16:creationId xmlns:a16="http://schemas.microsoft.com/office/drawing/2014/main" xmlns="" id="{60AB3EAE-75F2-4AB7-BCE5-3A5F1A268F17}"/>
               </a:ext>
             </a:extLst>
           </p:cNvPr>
@@ -2950,7 +2950,7 @@
           <p:cNvPr id="5" name="Footer Placeholder 4">
             <a:extLst>
               <a:ext uri="{FF2B5EF4-FFF2-40B4-BE49-F238E27FC236}">
-                <a16:creationId xmlns:a16="http://schemas.microsoft.com/office/drawing/2014/main" id="{0EFAD0F6-C060-4DC4-AC74-32274E34D2C7}"/>
+                <a16:creationId xmlns:a16="http://schemas.microsoft.com/office/drawing/2014/main" xmlns="" id="{0EFAD0F6-C060-4DC4-AC74-32274E34D2C7}"/>
               </a:ext>
             </a:extLst>
           </p:cNvPr>
@@ -2993,7 +2993,7 @@
           <p:cNvPr id="6" name="Slide Number Placeholder 5">
             <a:extLst>
               <a:ext uri="{FF2B5EF4-FFF2-40B4-BE49-F238E27FC236}">
-                <a16:creationId xmlns:a16="http://schemas.microsoft.com/office/drawing/2014/main" id="{680812A6-6B6B-4536-9298-21D2AC96055A}"/>
+                <a16:creationId xmlns:a16="http://schemas.microsoft.com/office/drawing/2014/main" xmlns="" id="{680812A6-6B6B-4536-9298-21D2AC96055A}"/>
               </a:ext>
             </a:extLst>
           </p:cNvPr>
@@ -6085,7 +6085,7 @@
           <p:cNvPr id="48" name="文本框 43" descr="e7d195523061f1c0deeec63e560781cfd59afb0ea006f2a87ABB68BF51EA6619813959095094C18C62A12F549504892A4AAA8C1554C6663626E05CA27F281A14E6983772AFC3FB97135759321DEA3D70145073B7709DEAFA256CD57602346C569CD03E8246D33DA545568EA98FB062D63F616CDCDDC7C308D5561BD508072CED46FA16A315624C7F2FF57E77E923953F">
             <a:extLst>
               <a:ext uri="{FF2B5EF4-FFF2-40B4-BE49-F238E27FC236}">
-                <a16:creationId xmlns:a16="http://schemas.microsoft.com/office/drawing/2014/main" id="{E5105AD0-9756-4434-9D12-D1354292401B}"/>
+                <a16:creationId xmlns:a16="http://schemas.microsoft.com/office/drawing/2014/main" xmlns="" id="{E5105AD0-9756-4434-9D12-D1354292401B}"/>
               </a:ext>
             </a:extLst>
           </p:cNvPr>
@@ -6176,6 +6176,13 @@
   <p:clrMapOvr>
     <a:masterClrMapping/>
   </p:clrMapOvr>
+  <p:timing>
+    <p:tnLst>
+      <p:par>
+        <p:cTn id="1" dur="indefinite" restart="never" nodeType="tmRoot"/>
+      </p:par>
+    </p:tnLst>
+  </p:timing>
 </p:sld>
 </file>
 
@@ -6201,7 +6208,7 @@
           <p:cNvPr id="2" name="Title 1">
             <a:extLst>
               <a:ext uri="{FF2B5EF4-FFF2-40B4-BE49-F238E27FC236}">
-                <a16:creationId xmlns:a16="http://schemas.microsoft.com/office/drawing/2014/main" id="{3A276FD2-CBF9-4FCD-9CB3-E6E9D1B92F6A}"/>
+                <a16:creationId xmlns:a16="http://schemas.microsoft.com/office/drawing/2014/main" xmlns="" id="{3A276FD2-CBF9-4FCD-9CB3-E6E9D1B92F6A}"/>
               </a:ext>
             </a:extLst>
           </p:cNvPr>
@@ -6230,7 +6237,7 @@
           <p:cNvPr id="5" name="Content Placeholder 4" descr="Screen Clipping">
             <a:extLst>
               <a:ext uri="{FF2B5EF4-FFF2-40B4-BE49-F238E27FC236}">
-                <a16:creationId xmlns:a16="http://schemas.microsoft.com/office/drawing/2014/main" id="{68318196-B699-44EF-86FE-C3C95ED2A55A}"/>
+                <a16:creationId xmlns:a16="http://schemas.microsoft.com/office/drawing/2014/main" xmlns="" id="{68318196-B699-44EF-86FE-C3C95ED2A55A}"/>
               </a:ext>
             </a:extLst>
           </p:cNvPr>
@@ -6265,7 +6272,7 @@
           <p:cNvPr id="6" name="TextBox 5">
             <a:extLst>
               <a:ext uri="{FF2B5EF4-FFF2-40B4-BE49-F238E27FC236}">
-                <a16:creationId xmlns:a16="http://schemas.microsoft.com/office/drawing/2014/main" id="{856E1E99-1891-4835-8C77-0C093AEEFA2C}"/>
+                <a16:creationId xmlns:a16="http://schemas.microsoft.com/office/drawing/2014/main" xmlns="" id="{856E1E99-1891-4835-8C77-0C093AEEFA2C}"/>
               </a:ext>
             </a:extLst>
           </p:cNvPr>
@@ -6401,6 +6408,13 @@
   <p:clrMapOvr>
     <a:masterClrMapping/>
   </p:clrMapOvr>
+  <p:timing>
+    <p:tnLst>
+      <p:par>
+        <p:cTn id="1" dur="indefinite" restart="never" nodeType="tmRoot"/>
+      </p:par>
+    </p:tnLst>
+  </p:timing>
 </p:sld>
 </file>
 
@@ -6426,7 +6440,7 @@
           <p:cNvPr id="2" name="Title 1">
             <a:extLst>
               <a:ext uri="{FF2B5EF4-FFF2-40B4-BE49-F238E27FC236}">
-                <a16:creationId xmlns:a16="http://schemas.microsoft.com/office/drawing/2014/main" id="{EB3C16FE-BDC6-4E42-9E1A-FD8EA0E9523E}"/>
+                <a16:creationId xmlns:a16="http://schemas.microsoft.com/office/drawing/2014/main" xmlns="" id="{EB3C16FE-BDC6-4E42-9E1A-FD8EA0E9523E}"/>
               </a:ext>
             </a:extLst>
           </p:cNvPr>
@@ -6455,7 +6469,7 @@
           <p:cNvPr id="3" name="Content Placeholder 2">
             <a:extLst>
               <a:ext uri="{FF2B5EF4-FFF2-40B4-BE49-F238E27FC236}">
-                <a16:creationId xmlns:a16="http://schemas.microsoft.com/office/drawing/2014/main" id="{84980BBE-F3E8-4B7F-B0B9-3E206EC7BC0B}"/>
+                <a16:creationId xmlns:a16="http://schemas.microsoft.com/office/drawing/2014/main" xmlns="" id="{84980BBE-F3E8-4B7F-B0B9-3E206EC7BC0B}"/>
               </a:ext>
             </a:extLst>
           </p:cNvPr>
@@ -6468,7 +6482,7 @@
         </p:nvSpPr>
         <p:spPr>
           <a:xfrm>
-            <a:off x="6362700" y="1825625"/>
+            <a:off x="876300" y="1816100"/>
             <a:ext cx="4991099" cy="4351338"/>
           </a:xfrm>
         </p:spPr>
@@ -6576,6 +6590,70 @@
           </a:p>
         </p:txBody>
       </p:sp>
+      <p:pic>
+        <p:nvPicPr>
+          <p:cNvPr id="1026" name="Picture 2"/>
+          <p:cNvPicPr>
+            <a:picLocks noChangeAspect="1" noChangeArrowheads="1"/>
+          </p:cNvPicPr>
+          <p:nvPr/>
+        </p:nvPicPr>
+        <p:blipFill>
+          <a:blip r:embed="rId2">
+            <a:extLst>
+              <a:ext uri="{28A0092B-C50C-407E-A947-70E740481C1C}">
+                <a14:useLocalDpi xmlns:a14="http://schemas.microsoft.com/office/drawing/2010/main" val="0"/>
+              </a:ext>
+            </a:extLst>
+          </a:blip>
+          <a:srcRect/>
+          <a:stretch>
+            <a:fillRect/>
+          </a:stretch>
+        </p:blipFill>
+        <p:spPr bwMode="auto">
+          <a:xfrm>
+            <a:off x="6905625" y="247650"/>
+            <a:ext cx="3924300" cy="6248400"/>
+          </a:xfrm>
+          <a:prstGeom prst="rect">
+            <a:avLst/>
+          </a:prstGeom>
+          <a:noFill/>
+          <a:ln>
+            <a:noFill/>
+          </a:ln>
+          <a:effectLst/>
+          <a:extLst>
+            <a:ext uri="{909E8E84-426E-40DD-AFC4-6F175D3DCCD1}">
+              <a14:hiddenFill xmlns:a14="http://schemas.microsoft.com/office/drawing/2010/main">
+                <a:solidFill>
+                  <a:schemeClr val="accent1"/>
+                </a:solidFill>
+              </a14:hiddenFill>
+            </a:ext>
+            <a:ext uri="{91240B29-F687-4F45-9708-019B960494DF}">
+              <a14:hiddenLine xmlns:a14="http://schemas.microsoft.com/office/drawing/2010/main" w="9525">
+                <a:solidFill>
+                  <a:schemeClr val="tx1"/>
+                </a:solidFill>
+                <a:miter lim="800000"/>
+                <a:headEnd/>
+                <a:tailEnd/>
+              </a14:hiddenLine>
+            </a:ext>
+            <a:ext uri="{AF507438-7753-43E0-B8FC-AC1667EBCBE1}">
+              <a14:hiddenEffects xmlns:a14="http://schemas.microsoft.com/office/drawing/2010/main">
+                <a:effectLst>
+                  <a:outerShdw dist="35921" dir="2700000" algn="ctr" rotWithShape="0">
+                    <a:schemeClr val="bg2"/>
+                  </a:outerShdw>
+                </a:effectLst>
+              </a14:hiddenEffects>
+            </a:ext>
+          </a:extLst>
+        </p:spPr>
+      </p:pic>
     </p:spTree>
     <p:extLst>
       <p:ext uri="{BB962C8B-B14F-4D97-AF65-F5344CB8AC3E}">
@@ -6586,6 +6664,13 @@
   <p:clrMapOvr>
     <a:masterClrMapping/>
   </p:clrMapOvr>
+  <p:timing>
+    <p:tnLst>
+      <p:par>
+        <p:cTn id="1" dur="indefinite" restart="never" nodeType="tmRoot"/>
+      </p:par>
+    </p:tnLst>
+  </p:timing>
 </p:sld>
 </file>
 
@@ -6611,7 +6696,7 @@
           <p:cNvPr id="2" name="Title 1">
             <a:extLst>
               <a:ext uri="{FF2B5EF4-FFF2-40B4-BE49-F238E27FC236}">
-                <a16:creationId xmlns:a16="http://schemas.microsoft.com/office/drawing/2014/main" id="{9D3A5ECE-F0C8-4FD2-9D3B-0491D6E747E2}"/>
+                <a16:creationId xmlns:a16="http://schemas.microsoft.com/office/drawing/2014/main" xmlns="" id="{9D3A5ECE-F0C8-4FD2-9D3B-0491D6E747E2}"/>
               </a:ext>
             </a:extLst>
           </p:cNvPr>
@@ -6640,7 +6725,7 @@
           <p:cNvPr id="3" name="Content Placeholder 2">
             <a:extLst>
               <a:ext uri="{FF2B5EF4-FFF2-40B4-BE49-F238E27FC236}">
-                <a16:creationId xmlns:a16="http://schemas.microsoft.com/office/drawing/2014/main" id="{524CE176-86EE-48D5-B9DF-021DACAD5944}"/>
+                <a16:creationId xmlns:a16="http://schemas.microsoft.com/office/drawing/2014/main" xmlns="" id="{524CE176-86EE-48D5-B9DF-021DACAD5944}"/>
               </a:ext>
             </a:extLst>
           </p:cNvPr>
@@ -6660,6 +6745,198 @@
           </a:p>
         </p:txBody>
       </p:sp>
+      <p:pic>
+        <p:nvPicPr>
+          <p:cNvPr id="2050" name="Picture 2"/>
+          <p:cNvPicPr>
+            <a:picLocks noChangeAspect="1" noChangeArrowheads="1"/>
+          </p:cNvPicPr>
+          <p:nvPr/>
+        </p:nvPicPr>
+        <p:blipFill>
+          <a:blip r:embed="rId2">
+            <a:extLst>
+              <a:ext uri="{28A0092B-C50C-407E-A947-70E740481C1C}">
+                <a14:useLocalDpi xmlns:a14="http://schemas.microsoft.com/office/drawing/2010/main" val="0"/>
+              </a:ext>
+            </a:extLst>
+          </a:blip>
+          <a:srcRect/>
+          <a:stretch>
+            <a:fillRect/>
+          </a:stretch>
+        </p:blipFill>
+        <p:spPr bwMode="auto">
+          <a:xfrm>
+            <a:off x="3153840" y="1595437"/>
+            <a:ext cx="5812380" cy="4295772"/>
+          </a:xfrm>
+          <a:prstGeom prst="rect">
+            <a:avLst/>
+          </a:prstGeom>
+          <a:noFill/>
+          <a:ln>
+            <a:noFill/>
+          </a:ln>
+          <a:effectLst/>
+          <a:extLst>
+            <a:ext uri="{909E8E84-426E-40DD-AFC4-6F175D3DCCD1}">
+              <a14:hiddenFill xmlns:a14="http://schemas.microsoft.com/office/drawing/2010/main">
+                <a:solidFill>
+                  <a:schemeClr val="accent1"/>
+                </a:solidFill>
+              </a14:hiddenFill>
+            </a:ext>
+            <a:ext uri="{91240B29-F687-4F45-9708-019B960494DF}">
+              <a14:hiddenLine xmlns:a14="http://schemas.microsoft.com/office/drawing/2010/main" w="9525">
+                <a:solidFill>
+                  <a:schemeClr val="tx1"/>
+                </a:solidFill>
+                <a:miter lim="800000"/>
+                <a:headEnd/>
+                <a:tailEnd/>
+              </a14:hiddenLine>
+            </a:ext>
+            <a:ext uri="{AF507438-7753-43E0-B8FC-AC1667EBCBE1}">
+              <a14:hiddenEffects xmlns:a14="http://schemas.microsoft.com/office/drawing/2010/main">
+                <a:effectLst>
+                  <a:outerShdw dist="35921" dir="2700000" algn="ctr" rotWithShape="0">
+                    <a:schemeClr val="bg2"/>
+                  </a:outerShdw>
+                </a:effectLst>
+              </a14:hiddenEffects>
+            </a:ext>
+          </a:extLst>
+        </p:spPr>
+      </p:pic>
+      <p:pic>
+        <p:nvPicPr>
+          <p:cNvPr id="2052" name="Picture 4"/>
+          <p:cNvPicPr>
+            <a:picLocks noChangeAspect="1" noChangeArrowheads="1"/>
+          </p:cNvPicPr>
+          <p:nvPr/>
+        </p:nvPicPr>
+        <p:blipFill>
+          <a:blip r:embed="rId3">
+            <a:extLst>
+              <a:ext uri="{28A0092B-C50C-407E-A947-70E740481C1C}">
+                <a14:useLocalDpi xmlns:a14="http://schemas.microsoft.com/office/drawing/2010/main" val="0"/>
+              </a:ext>
+            </a:extLst>
+          </a:blip>
+          <a:srcRect/>
+          <a:stretch>
+            <a:fillRect/>
+          </a:stretch>
+        </p:blipFill>
+        <p:spPr bwMode="auto">
+          <a:xfrm>
+            <a:off x="5938106" y="676276"/>
+            <a:ext cx="6253894" cy="5676897"/>
+          </a:xfrm>
+          <a:prstGeom prst="rect">
+            <a:avLst/>
+          </a:prstGeom>
+          <a:noFill/>
+          <a:ln>
+            <a:noFill/>
+          </a:ln>
+          <a:effectLst/>
+          <a:extLst>
+            <a:ext uri="{909E8E84-426E-40DD-AFC4-6F175D3DCCD1}">
+              <a14:hiddenFill xmlns:a14="http://schemas.microsoft.com/office/drawing/2010/main">
+                <a:solidFill>
+                  <a:schemeClr val="accent1"/>
+                </a:solidFill>
+              </a14:hiddenFill>
+            </a:ext>
+            <a:ext uri="{91240B29-F687-4F45-9708-019B960494DF}">
+              <a14:hiddenLine xmlns:a14="http://schemas.microsoft.com/office/drawing/2010/main" w="9525">
+                <a:solidFill>
+                  <a:schemeClr val="tx1"/>
+                </a:solidFill>
+                <a:miter lim="800000"/>
+                <a:headEnd/>
+                <a:tailEnd/>
+              </a14:hiddenLine>
+            </a:ext>
+            <a:ext uri="{AF507438-7753-43E0-B8FC-AC1667EBCBE1}">
+              <a14:hiddenEffects xmlns:a14="http://schemas.microsoft.com/office/drawing/2010/main">
+                <a:effectLst>
+                  <a:outerShdw dist="35921" dir="2700000" algn="ctr" rotWithShape="0">
+                    <a:schemeClr val="bg2"/>
+                  </a:outerShdw>
+                </a:effectLst>
+              </a14:hiddenEffects>
+            </a:ext>
+          </a:extLst>
+        </p:spPr>
+      </p:pic>
+      <p:pic>
+        <p:nvPicPr>
+          <p:cNvPr id="2053" name="Picture 5"/>
+          <p:cNvPicPr>
+            <a:picLocks noChangeAspect="1" noChangeArrowheads="1"/>
+          </p:cNvPicPr>
+          <p:nvPr/>
+        </p:nvPicPr>
+        <p:blipFill>
+          <a:blip r:embed="rId4">
+            <a:extLst>
+              <a:ext uri="{28A0092B-C50C-407E-A947-70E740481C1C}">
+                <a14:useLocalDpi xmlns:a14="http://schemas.microsoft.com/office/drawing/2010/main" val="0"/>
+              </a:ext>
+            </a:extLst>
+          </a:blip>
+          <a:srcRect/>
+          <a:stretch>
+            <a:fillRect/>
+          </a:stretch>
+        </p:blipFill>
+        <p:spPr bwMode="auto">
+          <a:xfrm>
+            <a:off x="5146102" y="676275"/>
+            <a:ext cx="7045897" cy="5676897"/>
+          </a:xfrm>
+          <a:prstGeom prst="rect">
+            <a:avLst/>
+          </a:prstGeom>
+          <a:noFill/>
+          <a:ln>
+            <a:noFill/>
+          </a:ln>
+          <a:effectLst/>
+          <a:extLst>
+            <a:ext uri="{909E8E84-426E-40DD-AFC4-6F175D3DCCD1}">
+              <a14:hiddenFill xmlns:a14="http://schemas.microsoft.com/office/drawing/2010/main">
+                <a:solidFill>
+                  <a:schemeClr val="accent1"/>
+                </a:solidFill>
+              </a14:hiddenFill>
+            </a:ext>
+            <a:ext uri="{91240B29-F687-4F45-9708-019B960494DF}">
+              <a14:hiddenLine xmlns:a14="http://schemas.microsoft.com/office/drawing/2010/main" w="9525">
+                <a:solidFill>
+                  <a:schemeClr val="tx1"/>
+                </a:solidFill>
+                <a:miter lim="800000"/>
+                <a:headEnd/>
+                <a:tailEnd/>
+              </a14:hiddenLine>
+            </a:ext>
+            <a:ext uri="{AF507438-7753-43E0-B8FC-AC1667EBCBE1}">
+              <a14:hiddenEffects xmlns:a14="http://schemas.microsoft.com/office/drawing/2010/main">
+                <a:effectLst>
+                  <a:outerShdw dist="35921" dir="2700000" algn="ctr" rotWithShape="0">
+                    <a:schemeClr val="bg2"/>
+                  </a:outerShdw>
+                </a:effectLst>
+              </a14:hiddenEffects>
+            </a:ext>
+          </a:extLst>
+        </p:spPr>
+      </p:pic>
     </p:spTree>
     <p:extLst>
       <p:ext uri="{BB962C8B-B14F-4D97-AF65-F5344CB8AC3E}">
@@ -6670,6 +6947,172 @@
   <p:clrMapOvr>
     <a:masterClrMapping/>
   </p:clrMapOvr>
+  <p:timing>
+    <p:tnLst>
+      <p:par>
+        <p:cTn id="1" dur="indefinite" restart="never" nodeType="tmRoot">
+          <p:childTnLst>
+            <p:seq concurrent="1" nextAc="seek">
+              <p:cTn id="2" dur="indefinite" nodeType="mainSeq">
+                <p:childTnLst>
+                  <p:par>
+                    <p:cTn id="3" fill="hold">
+                      <p:stCondLst>
+                        <p:cond delay="indefinite"/>
+                      </p:stCondLst>
+                      <p:childTnLst>
+                        <p:par>
+                          <p:cTn id="4" fill="hold">
+                            <p:stCondLst>
+                              <p:cond delay="0"/>
+                            </p:stCondLst>
+                            <p:childTnLst>
+                              <p:par>
+                                <p:cTn id="5" presetID="35" presetClass="path" presetSubtype="0" accel="50000" decel="50000" fill="hold" nodeType="clickEffect">
+                                  <p:stCondLst>
+                                    <p:cond delay="0"/>
+                                  </p:stCondLst>
+                                  <p:childTnLst>
+                                    <p:animMotion origin="layout" path="M 0 0 L -0.25 0 E" pathEditMode="relative" ptsTypes="">
+                                      <p:cBhvr>
+                                        <p:cTn id="6" dur="2000" fill="hold"/>
+                                        <p:tgtEl>
+                                          <p:spTgt spid="2050"/>
+                                        </p:tgtEl>
+                                        <p:attrNameLst>
+                                          <p:attrName>ppt_x</p:attrName>
+                                          <p:attrName>ppt_y</p:attrName>
+                                        </p:attrNameLst>
+                                      </p:cBhvr>
+                                    </p:animMotion>
+                                  </p:childTnLst>
+                                </p:cTn>
+                              </p:par>
+                            </p:childTnLst>
+                          </p:cTn>
+                        </p:par>
+                        <p:par>
+                          <p:cTn id="7" fill="hold">
+                            <p:stCondLst>
+                              <p:cond delay="2000"/>
+                            </p:stCondLst>
+                            <p:childTnLst>
+                              <p:par>
+                                <p:cTn id="8" presetID="10" presetClass="entr" presetSubtype="0" fill="hold" nodeType="afterEffect">
+                                  <p:stCondLst>
+                                    <p:cond delay="0"/>
+                                  </p:stCondLst>
+                                  <p:childTnLst>
+                                    <p:set>
+                                      <p:cBhvr>
+                                        <p:cTn id="9" dur="1" fill="hold">
+                                          <p:stCondLst>
+                                            <p:cond delay="0"/>
+                                          </p:stCondLst>
+                                        </p:cTn>
+                                        <p:tgtEl>
+                                          <p:spTgt spid="2052"/>
+                                        </p:tgtEl>
+                                        <p:attrNameLst>
+                                          <p:attrName>style.visibility</p:attrName>
+                                        </p:attrNameLst>
+                                      </p:cBhvr>
+                                      <p:to>
+                                        <p:strVal val="visible"/>
+                                      </p:to>
+                                    </p:set>
+                                    <p:animEffect transition="in" filter="fade">
+                                      <p:cBhvr>
+                                        <p:cTn id="10" dur="500"/>
+                                        <p:tgtEl>
+                                          <p:spTgt spid="2052"/>
+                                        </p:tgtEl>
+                                      </p:cBhvr>
+                                    </p:animEffect>
+                                  </p:childTnLst>
+                                </p:cTn>
+                              </p:par>
+                            </p:childTnLst>
+                          </p:cTn>
+                        </p:par>
+                      </p:childTnLst>
+                    </p:cTn>
+                  </p:par>
+                  <p:par>
+                    <p:cTn id="11" fill="hold">
+                      <p:stCondLst>
+                        <p:cond delay="indefinite"/>
+                      </p:stCondLst>
+                      <p:childTnLst>
+                        <p:par>
+                          <p:cTn id="12" fill="hold">
+                            <p:stCondLst>
+                              <p:cond delay="0"/>
+                            </p:stCondLst>
+                            <p:childTnLst>
+                              <p:par>
+                                <p:cTn id="13" presetID="10" presetClass="entr" presetSubtype="0" fill="hold" nodeType="clickEffect">
+                                  <p:stCondLst>
+                                    <p:cond delay="0"/>
+                                  </p:stCondLst>
+                                  <p:childTnLst>
+                                    <p:set>
+                                      <p:cBhvr>
+                                        <p:cTn id="14" dur="1" fill="hold">
+                                          <p:stCondLst>
+                                            <p:cond delay="0"/>
+                                          </p:stCondLst>
+                                        </p:cTn>
+                                        <p:tgtEl>
+                                          <p:spTgt spid="2053"/>
+                                        </p:tgtEl>
+                                        <p:attrNameLst>
+                                          <p:attrName>style.visibility</p:attrName>
+                                        </p:attrNameLst>
+                                      </p:cBhvr>
+                                      <p:to>
+                                        <p:strVal val="visible"/>
+                                      </p:to>
+                                    </p:set>
+                                    <p:animEffect transition="in" filter="fade">
+                                      <p:cBhvr>
+                                        <p:cTn id="15" dur="500"/>
+                                        <p:tgtEl>
+                                          <p:spTgt spid="2053"/>
+                                        </p:tgtEl>
+                                      </p:cBhvr>
+                                    </p:animEffect>
+                                  </p:childTnLst>
+                                </p:cTn>
+                              </p:par>
+                            </p:childTnLst>
+                          </p:cTn>
+                        </p:par>
+                      </p:childTnLst>
+                    </p:cTn>
+                  </p:par>
+                </p:childTnLst>
+              </p:cTn>
+              <p:prevCondLst>
+                <p:cond evt="onPrev" delay="0">
+                  <p:tgtEl>
+                    <p:sldTgt/>
+                  </p:tgtEl>
+                </p:cond>
+              </p:prevCondLst>
+              <p:nextCondLst>
+                <p:cond evt="onNext" delay="0">
+                  <p:tgtEl>
+                    <p:sldTgt/>
+                  </p:tgtEl>
+                </p:cond>
+              </p:nextCondLst>
+            </p:seq>
+          </p:childTnLst>
+        </p:cTn>
+      </p:par>
+    </p:tnLst>
+  </p:timing>
 </p:sld>
 </file>
 
@@ -6695,7 +7138,7 @@
           <p:cNvPr id="2" name="Title 1">
             <a:extLst>
               <a:ext uri="{FF2B5EF4-FFF2-40B4-BE49-F238E27FC236}">
-                <a16:creationId xmlns:a16="http://schemas.microsoft.com/office/drawing/2014/main" id="{F42B4C9A-CC5D-407D-A955-57437CBDB9A4}"/>
+                <a16:creationId xmlns:a16="http://schemas.microsoft.com/office/drawing/2014/main" xmlns="" id="{F42B4C9A-CC5D-407D-A955-57437CBDB9A4}"/>
               </a:ext>
             </a:extLst>
           </p:cNvPr>
@@ -6732,7 +7175,7 @@
           <p:cNvPr id="5" name="Content Placeholder 4" descr="Screen Clipping">
             <a:extLst>
               <a:ext uri="{FF2B5EF4-FFF2-40B4-BE49-F238E27FC236}">
-                <a16:creationId xmlns:a16="http://schemas.microsoft.com/office/drawing/2014/main" id="{1993C2F0-8E0A-46A4-A519-738D604F4450}"/>
+                <a16:creationId xmlns:a16="http://schemas.microsoft.com/office/drawing/2014/main" xmlns="" id="{1993C2F0-8E0A-46A4-A519-738D604F4450}"/>
               </a:ext>
             </a:extLst>
           </p:cNvPr>
@@ -6767,7 +7210,7 @@
           <p:cNvPr id="6" name="Content Placeholder 8" descr="Screen Clipping">
             <a:extLst>
               <a:ext uri="{FF2B5EF4-FFF2-40B4-BE49-F238E27FC236}">
-                <a16:creationId xmlns:a16="http://schemas.microsoft.com/office/drawing/2014/main" id="{0AAC19D9-F86D-4C3E-84E8-1F3721757586}"/>
+                <a16:creationId xmlns:a16="http://schemas.microsoft.com/office/drawing/2014/main" xmlns="" id="{0AAC19D9-F86D-4C3E-84E8-1F3721757586}"/>
               </a:ext>
             </a:extLst>
           </p:cNvPr>
@@ -6777,7 +7220,7 @@
           <p:nvPr/>
         </p:nvPicPr>
         <p:blipFill>
-          <a:blip r:embed="rId3">
+          <a:blip r:embed="rId3" cstate="print">
             <a:extLst>
               <a:ext uri="{28A0092B-C50C-407E-A947-70E740481C1C}">
                 <a14:useLocalDpi xmlns:a14="http://schemas.microsoft.com/office/drawing/2010/main" val="0"/>
@@ -6803,7 +7246,7 @@
           <p:cNvPr id="7" name="Picture 6" descr="Screen Clipping">
             <a:extLst>
               <a:ext uri="{FF2B5EF4-FFF2-40B4-BE49-F238E27FC236}">
-                <a16:creationId xmlns:a16="http://schemas.microsoft.com/office/drawing/2014/main" id="{40D782C7-A445-44EF-8130-0FC7178D0713}"/>
+                <a16:creationId xmlns:a16="http://schemas.microsoft.com/office/drawing/2014/main" xmlns="" id="{40D782C7-A445-44EF-8130-0FC7178D0713}"/>
               </a:ext>
             </a:extLst>
           </p:cNvPr>
@@ -6813,7 +7256,7 @@
           <p:nvPr/>
         </p:nvPicPr>
         <p:blipFill>
-          <a:blip r:embed="rId4">
+          <a:blip r:embed="rId4" cstate="print">
             <a:extLst>
               <a:ext uri="{28A0092B-C50C-407E-A947-70E740481C1C}">
                 <a14:useLocalDpi xmlns:a14="http://schemas.microsoft.com/office/drawing/2010/main" val="0"/>
@@ -6844,6 +7287,13 @@
   <p:clrMapOvr>
     <a:masterClrMapping/>
   </p:clrMapOvr>
+  <p:timing>
+    <p:tnLst>
+      <p:par>
+        <p:cTn id="1" dur="indefinite" restart="never" nodeType="tmRoot"/>
+      </p:par>
+    </p:tnLst>
+  </p:timing>
 </p:sld>
 </file>
 
@@ -6869,7 +7319,7 @@
           <p:cNvPr id="2" name="Title 1">
             <a:extLst>
               <a:ext uri="{FF2B5EF4-FFF2-40B4-BE49-F238E27FC236}">
-                <a16:creationId xmlns:a16="http://schemas.microsoft.com/office/drawing/2014/main" id="{D7E3162A-A582-4236-AE2B-31F80B66D866}"/>
+                <a16:creationId xmlns:a16="http://schemas.microsoft.com/office/drawing/2014/main" xmlns="" id="{D7E3162A-A582-4236-AE2B-31F80B66D866}"/>
               </a:ext>
             </a:extLst>
           </p:cNvPr>
@@ -6902,7 +7352,7 @@
           <p:cNvPr id="9" name="Content Placeholder 8" descr="Screen Clipping">
             <a:extLst>
               <a:ext uri="{FF2B5EF4-FFF2-40B4-BE49-F238E27FC236}">
-                <a16:creationId xmlns:a16="http://schemas.microsoft.com/office/drawing/2014/main" id="{8E3FC8B8-F176-410C-A629-898E0B2DC0E8}"/>
+                <a16:creationId xmlns:a16="http://schemas.microsoft.com/office/drawing/2014/main" xmlns="" id="{8E3FC8B8-F176-410C-A629-898E0B2DC0E8}"/>
               </a:ext>
             </a:extLst>
           </p:cNvPr>
@@ -6914,7 +7364,7 @@
           </p:nvPr>
         </p:nvPicPr>
         <p:blipFill>
-          <a:blip r:embed="rId2">
+          <a:blip r:embed="rId2" cstate="print">
             <a:extLst>
               <a:ext uri="{28A0092B-C50C-407E-A947-70E740481C1C}">
                 <a14:useLocalDpi xmlns:a14="http://schemas.microsoft.com/office/drawing/2010/main" val="0"/>
@@ -6937,7 +7387,7 @@
           <p:cNvPr id="11" name="Picture 10" descr="Screen Clipping">
             <a:extLst>
               <a:ext uri="{FF2B5EF4-FFF2-40B4-BE49-F238E27FC236}">
-                <a16:creationId xmlns:a16="http://schemas.microsoft.com/office/drawing/2014/main" id="{31D84541-2A2D-4B97-A0CC-D70621F39612}"/>
+                <a16:creationId xmlns:a16="http://schemas.microsoft.com/office/drawing/2014/main" xmlns="" id="{31D84541-2A2D-4B97-A0CC-D70621F39612}"/>
               </a:ext>
             </a:extLst>
           </p:cNvPr>
@@ -6973,7 +7423,7 @@
           <p:cNvPr id="13" name="Picture 12" descr="Screen Clipping">
             <a:extLst>
               <a:ext uri="{FF2B5EF4-FFF2-40B4-BE49-F238E27FC236}">
-                <a16:creationId xmlns:a16="http://schemas.microsoft.com/office/drawing/2014/main" id="{B5CC942E-D772-4ECD-B277-34C7EDFE5166}"/>
+                <a16:creationId xmlns:a16="http://schemas.microsoft.com/office/drawing/2014/main" xmlns="" id="{B5CC942E-D772-4ECD-B277-34C7EDFE5166}"/>
               </a:ext>
             </a:extLst>
           </p:cNvPr>
@@ -6983,7 +7433,7 @@
           <p:nvPr/>
         </p:nvPicPr>
         <p:blipFill>
-          <a:blip r:embed="rId4">
+          <a:blip r:embed="rId4" cstate="print">
             <a:extLst>
               <a:ext uri="{28A0092B-C50C-407E-A947-70E740481C1C}">
                 <a14:useLocalDpi xmlns:a14="http://schemas.microsoft.com/office/drawing/2010/main" val="0"/>
@@ -7009,7 +7459,7 @@
           <p:cNvPr id="15" name="Picture 14" descr="Screen Clipping">
             <a:extLst>
               <a:ext uri="{FF2B5EF4-FFF2-40B4-BE49-F238E27FC236}">
-                <a16:creationId xmlns:a16="http://schemas.microsoft.com/office/drawing/2014/main" id="{2690366B-9AFA-4978-950B-6481D8BF9B46}"/>
+                <a16:creationId xmlns:a16="http://schemas.microsoft.com/office/drawing/2014/main" xmlns="" id="{2690366B-9AFA-4978-950B-6481D8BF9B46}"/>
               </a:ext>
             </a:extLst>
           </p:cNvPr>
@@ -7045,7 +7495,7 @@
           <p:cNvPr id="17" name="Picture 16" descr="Screen Clipping">
             <a:extLst>
               <a:ext uri="{FF2B5EF4-FFF2-40B4-BE49-F238E27FC236}">
-                <a16:creationId xmlns:a16="http://schemas.microsoft.com/office/drawing/2014/main" id="{FC1DAE77-2544-42AC-8F9B-40EAFD02478B}"/>
+                <a16:creationId xmlns:a16="http://schemas.microsoft.com/office/drawing/2014/main" xmlns="" id="{FC1DAE77-2544-42AC-8F9B-40EAFD02478B}"/>
               </a:ext>
             </a:extLst>
           </p:cNvPr>
@@ -7055,7 +7505,7 @@
           <p:nvPr/>
         </p:nvPicPr>
         <p:blipFill>
-          <a:blip r:embed="rId6">
+          <a:blip r:embed="rId6" cstate="print">
             <a:extLst>
               <a:ext uri="{28A0092B-C50C-407E-A947-70E740481C1C}">
                 <a14:useLocalDpi xmlns:a14="http://schemas.microsoft.com/office/drawing/2010/main" val="0"/>
@@ -7081,7 +7531,7 @@
           <p:cNvPr id="19" name="Picture 18" descr="Screen Clipping">
             <a:extLst>
               <a:ext uri="{FF2B5EF4-FFF2-40B4-BE49-F238E27FC236}">
-                <a16:creationId xmlns:a16="http://schemas.microsoft.com/office/drawing/2014/main" id="{0BA180F8-1CA0-47AB-825A-D9BAF801EA25}"/>
+                <a16:creationId xmlns:a16="http://schemas.microsoft.com/office/drawing/2014/main" xmlns="" id="{0BA180F8-1CA0-47AB-825A-D9BAF801EA25}"/>
               </a:ext>
             </a:extLst>
           </p:cNvPr>
@@ -7091,7 +7541,7 @@
           <p:nvPr/>
         </p:nvPicPr>
         <p:blipFill>
-          <a:blip r:embed="rId7">
+          <a:blip r:embed="rId7" cstate="print">
             <a:extLst>
               <a:ext uri="{28A0092B-C50C-407E-A947-70E740481C1C}">
                 <a14:useLocalDpi xmlns:a14="http://schemas.microsoft.com/office/drawing/2010/main" val="0"/>
@@ -7117,7 +7567,7 @@
           <p:cNvPr id="21" name="Picture 20" descr="Screen Clipping">
             <a:extLst>
               <a:ext uri="{FF2B5EF4-FFF2-40B4-BE49-F238E27FC236}">
-                <a16:creationId xmlns:a16="http://schemas.microsoft.com/office/drawing/2014/main" id="{0DED0528-673D-4EFB-90F2-8A62C02DD261}"/>
+                <a16:creationId xmlns:a16="http://schemas.microsoft.com/office/drawing/2014/main" xmlns="" id="{0DED0528-673D-4EFB-90F2-8A62C02DD261}"/>
               </a:ext>
             </a:extLst>
           </p:cNvPr>
@@ -7127,7 +7577,7 @@
           <p:nvPr/>
         </p:nvPicPr>
         <p:blipFill>
-          <a:blip r:embed="rId8">
+          <a:blip r:embed="rId8" cstate="print">
             <a:extLst>
               <a:ext uri="{28A0092B-C50C-407E-A947-70E740481C1C}">
                 <a14:useLocalDpi xmlns:a14="http://schemas.microsoft.com/office/drawing/2010/main" val="0"/>
@@ -7153,7 +7603,7 @@
           <p:cNvPr id="23" name="Picture 22" descr="Screen Clipping">
             <a:extLst>
               <a:ext uri="{FF2B5EF4-FFF2-40B4-BE49-F238E27FC236}">
-                <a16:creationId xmlns:a16="http://schemas.microsoft.com/office/drawing/2014/main" id="{CBF808C5-6A62-41D3-B789-5B589DAA7126}"/>
+                <a16:creationId xmlns:a16="http://schemas.microsoft.com/office/drawing/2014/main" xmlns="" id="{CBF808C5-6A62-41D3-B789-5B589DAA7126}"/>
               </a:ext>
             </a:extLst>
           </p:cNvPr>
@@ -7163,7 +7613,7 @@
           <p:nvPr/>
         </p:nvPicPr>
         <p:blipFill>
-          <a:blip r:embed="rId9">
+          <a:blip r:embed="rId9" cstate="print">
             <a:extLst>
               <a:ext uri="{28A0092B-C50C-407E-A947-70E740481C1C}">
                 <a14:useLocalDpi xmlns:a14="http://schemas.microsoft.com/office/drawing/2010/main" val="0"/>
@@ -7194,6 +7644,13 @@
   <p:clrMapOvr>
     <a:masterClrMapping/>
   </p:clrMapOvr>
+  <p:timing>
+    <p:tnLst>
+      <p:par>
+        <p:cTn id="1" dur="indefinite" restart="never" nodeType="tmRoot"/>
+      </p:par>
+    </p:tnLst>
+  </p:timing>
 </p:sld>
 </file>
 
@@ -7240,7 +7697,7 @@
     </a:clrScheme>
     <a:fontScheme name="Office">
       <a:majorFont>
-        <a:latin typeface="Calibri Light" panose="020F0302020204030204"/>
+        <a:latin typeface="Calibri Light"/>
         <a:ea typeface=""/>
         <a:cs typeface=""/>
         <a:font script="Jpan" typeface="游ゴシック Light"/>
@@ -7292,7 +7749,7 @@
         <a:font script="Tfng" typeface="Ebrima"/>
       </a:majorFont>
       <a:minorFont>
-        <a:latin typeface="Calibri" panose="020F0502020204030204"/>
+        <a:latin typeface="Calibri"/>
         <a:ea typeface=""/>
         <a:cs typeface=""/>
         <a:font script="Jpan" typeface="游ゴシック"/>
@@ -7486,7 +7943,7 @@
   <a:extraClrSchemeLst/>
   <a:extLst>
     <a:ext uri="{05A4C25C-085E-4340-85A3-A5531E510DB2}">
-      <thm15:themeFamily xmlns:thm15="http://schemas.microsoft.com/office/thememl/2012/main" name="Office Theme" id="{62F939B6-93AF-4DB8-9C6B-D6C7DFDC589F}" vid="{4A3C46E8-61CC-4603-A589-7422A47A8E4A}"/>
+      <thm15:themeFamily xmlns:thm15="http://schemas.microsoft.com/office/thememl/2012/main" xmlns="" name="Office Theme" id="{62F939B6-93AF-4DB8-9C6B-D6C7DFDC589F}" vid="{4A3C46E8-61CC-4603-A589-7422A47A8E4A}"/>
     </a:ext>
   </a:extLst>
 </a:theme>

--- a/weekly_report/group5/逻辑模型模板第五组wk2.pptx
+++ b/weekly_report/group5/逻辑模型模板第五组wk2.pptx
@@ -111,7 +111,7 @@
   </p:defaultTextStyle>
   <p:extLst>
     <p:ext uri="{EFAFB233-063F-42B5-8137-9DF3F51BA10A}">
-      <p15:sldGuideLst xmlns:p15="http://schemas.microsoft.com/office/powerpoint/2012/main" xmlns=""/>
+      <p15:sldGuideLst xmlns:p15="http://schemas.microsoft.com/office/powerpoint/2012/main"/>
     </p:ext>
   </p:extLst>
 </p:presentation>
@@ -143,7 +143,7 @@
           <p:cNvPr id="2" name="Title 1">
             <a:extLst>
               <a:ext uri="{FF2B5EF4-FFF2-40B4-BE49-F238E27FC236}">
-                <a16:creationId xmlns:a16="http://schemas.microsoft.com/office/drawing/2014/main" xmlns="" id="{07445669-301F-43A9-9C3D-69F00C7D7D58}"/>
+                <a16:creationId xmlns:a16="http://schemas.microsoft.com/office/drawing/2014/main" id="{07445669-301F-43A9-9C3D-69F00C7D7D58}"/>
               </a:ext>
             </a:extLst>
           </p:cNvPr>
@@ -181,7 +181,7 @@
           <p:cNvPr id="3" name="Subtitle 2">
             <a:extLst>
               <a:ext uri="{FF2B5EF4-FFF2-40B4-BE49-F238E27FC236}">
-                <a16:creationId xmlns:a16="http://schemas.microsoft.com/office/drawing/2014/main" xmlns="" id="{38290C41-B5D2-403E-9E8A-41DCC98AA77E}"/>
+                <a16:creationId xmlns:a16="http://schemas.microsoft.com/office/drawing/2014/main" id="{38290C41-B5D2-403E-9E8A-41DCC98AA77E}"/>
               </a:ext>
             </a:extLst>
           </p:cNvPr>
@@ -252,7 +252,7 @@
           <p:cNvPr id="4" name="Date Placeholder 3">
             <a:extLst>
               <a:ext uri="{FF2B5EF4-FFF2-40B4-BE49-F238E27FC236}">
-                <a16:creationId xmlns:a16="http://schemas.microsoft.com/office/drawing/2014/main" xmlns="" id="{9F1F8261-874B-42BD-B15D-F5A0A8F62994}"/>
+                <a16:creationId xmlns:a16="http://schemas.microsoft.com/office/drawing/2014/main" id="{9F1F8261-874B-42BD-B15D-F5A0A8F62994}"/>
               </a:ext>
             </a:extLst>
           </p:cNvPr>
@@ -281,7 +281,7 @@
           <p:cNvPr id="5" name="Footer Placeholder 4">
             <a:extLst>
               <a:ext uri="{FF2B5EF4-FFF2-40B4-BE49-F238E27FC236}">
-                <a16:creationId xmlns:a16="http://schemas.microsoft.com/office/drawing/2014/main" xmlns="" id="{AF8D4FED-34B3-46C2-B72D-B3C272C0D154}"/>
+                <a16:creationId xmlns:a16="http://schemas.microsoft.com/office/drawing/2014/main" id="{AF8D4FED-34B3-46C2-B72D-B3C272C0D154}"/>
               </a:ext>
             </a:extLst>
           </p:cNvPr>
@@ -306,7 +306,7 @@
           <p:cNvPr id="6" name="Slide Number Placeholder 5">
             <a:extLst>
               <a:ext uri="{FF2B5EF4-FFF2-40B4-BE49-F238E27FC236}">
-                <a16:creationId xmlns:a16="http://schemas.microsoft.com/office/drawing/2014/main" xmlns="" id="{7FF7DF2C-5DA0-422A-B555-0C96AF18B7E6}"/>
+                <a16:creationId xmlns:a16="http://schemas.microsoft.com/office/drawing/2014/main" id="{7FF7DF2C-5DA0-422A-B555-0C96AF18B7E6}"/>
               </a:ext>
             </a:extLst>
           </p:cNvPr>
@@ -365,7 +365,7 @@
           <p:cNvPr id="2" name="Title 1">
             <a:extLst>
               <a:ext uri="{FF2B5EF4-FFF2-40B4-BE49-F238E27FC236}">
-                <a16:creationId xmlns:a16="http://schemas.microsoft.com/office/drawing/2014/main" xmlns="" id="{8EF45C5F-A735-4B26-8E1A-75020B181B6C}"/>
+                <a16:creationId xmlns:a16="http://schemas.microsoft.com/office/drawing/2014/main" id="{8EF45C5F-A735-4B26-8E1A-75020B181B6C}"/>
               </a:ext>
             </a:extLst>
           </p:cNvPr>
@@ -394,7 +394,7 @@
           <p:cNvPr id="3" name="Vertical Text Placeholder 2">
             <a:extLst>
               <a:ext uri="{FF2B5EF4-FFF2-40B4-BE49-F238E27FC236}">
-                <a16:creationId xmlns:a16="http://schemas.microsoft.com/office/drawing/2014/main" xmlns="" id="{2474FAF8-CEAE-473D-8AF3-1A572A8B91C4}"/>
+                <a16:creationId xmlns:a16="http://schemas.microsoft.com/office/drawing/2014/main" id="{2474FAF8-CEAE-473D-8AF3-1A572A8B91C4}"/>
               </a:ext>
             </a:extLst>
           </p:cNvPr>
@@ -452,7 +452,7 @@
           <p:cNvPr id="4" name="Date Placeholder 3">
             <a:extLst>
               <a:ext uri="{FF2B5EF4-FFF2-40B4-BE49-F238E27FC236}">
-                <a16:creationId xmlns:a16="http://schemas.microsoft.com/office/drawing/2014/main" xmlns="" id="{0FDD8773-2EC6-48E5-AC34-EE6863EFFEFF}"/>
+                <a16:creationId xmlns:a16="http://schemas.microsoft.com/office/drawing/2014/main" id="{0FDD8773-2EC6-48E5-AC34-EE6863EFFEFF}"/>
               </a:ext>
             </a:extLst>
           </p:cNvPr>
@@ -481,7 +481,7 @@
           <p:cNvPr id="5" name="Footer Placeholder 4">
             <a:extLst>
               <a:ext uri="{FF2B5EF4-FFF2-40B4-BE49-F238E27FC236}">
-                <a16:creationId xmlns:a16="http://schemas.microsoft.com/office/drawing/2014/main" xmlns="" id="{213C844E-C731-4D4E-BBEC-5D828656CDF5}"/>
+                <a16:creationId xmlns:a16="http://schemas.microsoft.com/office/drawing/2014/main" id="{213C844E-C731-4D4E-BBEC-5D828656CDF5}"/>
               </a:ext>
             </a:extLst>
           </p:cNvPr>
@@ -506,7 +506,7 @@
           <p:cNvPr id="6" name="Slide Number Placeholder 5">
             <a:extLst>
               <a:ext uri="{FF2B5EF4-FFF2-40B4-BE49-F238E27FC236}">
-                <a16:creationId xmlns:a16="http://schemas.microsoft.com/office/drawing/2014/main" xmlns="" id="{9B706227-3058-412C-9C4D-A74B965B7986}"/>
+                <a16:creationId xmlns:a16="http://schemas.microsoft.com/office/drawing/2014/main" id="{9B706227-3058-412C-9C4D-A74B965B7986}"/>
               </a:ext>
             </a:extLst>
           </p:cNvPr>
@@ -565,7 +565,7 @@
           <p:cNvPr id="2" name="Vertical Title 1">
             <a:extLst>
               <a:ext uri="{FF2B5EF4-FFF2-40B4-BE49-F238E27FC236}">
-                <a16:creationId xmlns:a16="http://schemas.microsoft.com/office/drawing/2014/main" xmlns="" id="{5BD3D67B-1240-41F6-91A6-664EEEB2BDE2}"/>
+                <a16:creationId xmlns:a16="http://schemas.microsoft.com/office/drawing/2014/main" id="{5BD3D67B-1240-41F6-91A6-664EEEB2BDE2}"/>
               </a:ext>
             </a:extLst>
           </p:cNvPr>
@@ -599,7 +599,7 @@
           <p:cNvPr id="3" name="Vertical Text Placeholder 2">
             <a:extLst>
               <a:ext uri="{FF2B5EF4-FFF2-40B4-BE49-F238E27FC236}">
-                <a16:creationId xmlns:a16="http://schemas.microsoft.com/office/drawing/2014/main" xmlns="" id="{FFA1F69A-EECF-46FB-8702-0F68453EF18A}"/>
+                <a16:creationId xmlns:a16="http://schemas.microsoft.com/office/drawing/2014/main" id="{FFA1F69A-EECF-46FB-8702-0F68453EF18A}"/>
               </a:ext>
             </a:extLst>
           </p:cNvPr>
@@ -662,7 +662,7 @@
           <p:cNvPr id="4" name="Date Placeholder 3">
             <a:extLst>
               <a:ext uri="{FF2B5EF4-FFF2-40B4-BE49-F238E27FC236}">
-                <a16:creationId xmlns:a16="http://schemas.microsoft.com/office/drawing/2014/main" xmlns="" id="{278C9569-7970-4D63-A917-226F1CF8A1E6}"/>
+                <a16:creationId xmlns:a16="http://schemas.microsoft.com/office/drawing/2014/main" id="{278C9569-7970-4D63-A917-226F1CF8A1E6}"/>
               </a:ext>
             </a:extLst>
           </p:cNvPr>
@@ -691,7 +691,7 @@
           <p:cNvPr id="5" name="Footer Placeholder 4">
             <a:extLst>
               <a:ext uri="{FF2B5EF4-FFF2-40B4-BE49-F238E27FC236}">
-                <a16:creationId xmlns:a16="http://schemas.microsoft.com/office/drawing/2014/main" xmlns="" id="{2BFD6311-0570-41C6-8C1C-E93424ABAA0F}"/>
+                <a16:creationId xmlns:a16="http://schemas.microsoft.com/office/drawing/2014/main" id="{2BFD6311-0570-41C6-8C1C-E93424ABAA0F}"/>
               </a:ext>
             </a:extLst>
           </p:cNvPr>
@@ -716,7 +716,7 @@
           <p:cNvPr id="6" name="Slide Number Placeholder 5">
             <a:extLst>
               <a:ext uri="{FF2B5EF4-FFF2-40B4-BE49-F238E27FC236}">
-                <a16:creationId xmlns:a16="http://schemas.microsoft.com/office/drawing/2014/main" xmlns="" id="{74A2AA57-2E67-4020-89DA-EB509724FE2B}"/>
+                <a16:creationId xmlns:a16="http://schemas.microsoft.com/office/drawing/2014/main" id="{74A2AA57-2E67-4020-89DA-EB509724FE2B}"/>
               </a:ext>
             </a:extLst>
           </p:cNvPr>
@@ -775,7 +775,7 @@
           <p:cNvPr id="2" name="Title 1">
             <a:extLst>
               <a:ext uri="{FF2B5EF4-FFF2-40B4-BE49-F238E27FC236}">
-                <a16:creationId xmlns:a16="http://schemas.microsoft.com/office/drawing/2014/main" xmlns="" id="{6E402C8C-C9D2-47E2-94BC-B66D30D04A70}"/>
+                <a16:creationId xmlns:a16="http://schemas.microsoft.com/office/drawing/2014/main" id="{6E402C8C-C9D2-47E2-94BC-B66D30D04A70}"/>
               </a:ext>
             </a:extLst>
           </p:cNvPr>
@@ -804,7 +804,7 @@
           <p:cNvPr id="3" name="Content Placeholder 2">
             <a:extLst>
               <a:ext uri="{FF2B5EF4-FFF2-40B4-BE49-F238E27FC236}">
-                <a16:creationId xmlns:a16="http://schemas.microsoft.com/office/drawing/2014/main" xmlns="" id="{D8DA4158-6664-40F2-9954-0BB55367CDB2}"/>
+                <a16:creationId xmlns:a16="http://schemas.microsoft.com/office/drawing/2014/main" id="{D8DA4158-6664-40F2-9954-0BB55367CDB2}"/>
               </a:ext>
             </a:extLst>
           </p:cNvPr>
@@ -862,7 +862,7 @@
           <p:cNvPr id="4" name="Date Placeholder 3">
             <a:extLst>
               <a:ext uri="{FF2B5EF4-FFF2-40B4-BE49-F238E27FC236}">
-                <a16:creationId xmlns:a16="http://schemas.microsoft.com/office/drawing/2014/main" xmlns="" id="{90BC7B21-7F79-47C1-9D72-D0F4CCB1D7F0}"/>
+                <a16:creationId xmlns:a16="http://schemas.microsoft.com/office/drawing/2014/main" id="{90BC7B21-7F79-47C1-9D72-D0F4CCB1D7F0}"/>
               </a:ext>
             </a:extLst>
           </p:cNvPr>
@@ -891,7 +891,7 @@
           <p:cNvPr id="5" name="Footer Placeholder 4">
             <a:extLst>
               <a:ext uri="{FF2B5EF4-FFF2-40B4-BE49-F238E27FC236}">
-                <a16:creationId xmlns:a16="http://schemas.microsoft.com/office/drawing/2014/main" xmlns="" id="{1DA64D88-5E74-4FC6-AEF9-B1C1F5657256}"/>
+                <a16:creationId xmlns:a16="http://schemas.microsoft.com/office/drawing/2014/main" id="{1DA64D88-5E74-4FC6-AEF9-B1C1F5657256}"/>
               </a:ext>
             </a:extLst>
           </p:cNvPr>
@@ -916,7 +916,7 @@
           <p:cNvPr id="6" name="Slide Number Placeholder 5">
             <a:extLst>
               <a:ext uri="{FF2B5EF4-FFF2-40B4-BE49-F238E27FC236}">
-                <a16:creationId xmlns:a16="http://schemas.microsoft.com/office/drawing/2014/main" xmlns="" id="{04F2056A-A434-42DD-A04E-827E5EF45E9C}"/>
+                <a16:creationId xmlns:a16="http://schemas.microsoft.com/office/drawing/2014/main" id="{04F2056A-A434-42DD-A04E-827E5EF45E9C}"/>
               </a:ext>
             </a:extLst>
           </p:cNvPr>
@@ -975,7 +975,7 @@
           <p:cNvPr id="2" name="Title 1">
             <a:extLst>
               <a:ext uri="{FF2B5EF4-FFF2-40B4-BE49-F238E27FC236}">
-                <a16:creationId xmlns:a16="http://schemas.microsoft.com/office/drawing/2014/main" xmlns="" id="{DE853488-3068-45B6-A1F3-E5C2F152FF45}"/>
+                <a16:creationId xmlns:a16="http://schemas.microsoft.com/office/drawing/2014/main" id="{DE853488-3068-45B6-A1F3-E5C2F152FF45}"/>
               </a:ext>
             </a:extLst>
           </p:cNvPr>
@@ -1013,7 +1013,7 @@
           <p:cNvPr id="3" name="Text Placeholder 2">
             <a:extLst>
               <a:ext uri="{FF2B5EF4-FFF2-40B4-BE49-F238E27FC236}">
-                <a16:creationId xmlns:a16="http://schemas.microsoft.com/office/drawing/2014/main" xmlns="" id="{16D6CCE5-519D-4DAB-A538-37EB9EBB6CF3}"/>
+                <a16:creationId xmlns:a16="http://schemas.microsoft.com/office/drawing/2014/main" id="{16D6CCE5-519D-4DAB-A538-37EB9EBB6CF3}"/>
               </a:ext>
             </a:extLst>
           </p:cNvPr>
@@ -1138,7 +1138,7 @@
           <p:cNvPr id="4" name="Date Placeholder 3">
             <a:extLst>
               <a:ext uri="{FF2B5EF4-FFF2-40B4-BE49-F238E27FC236}">
-                <a16:creationId xmlns:a16="http://schemas.microsoft.com/office/drawing/2014/main" xmlns="" id="{880E6103-5262-4EF3-A4BD-044442CB9C5D}"/>
+                <a16:creationId xmlns:a16="http://schemas.microsoft.com/office/drawing/2014/main" id="{880E6103-5262-4EF3-A4BD-044442CB9C5D}"/>
               </a:ext>
             </a:extLst>
           </p:cNvPr>
@@ -1167,7 +1167,7 @@
           <p:cNvPr id="5" name="Footer Placeholder 4">
             <a:extLst>
               <a:ext uri="{FF2B5EF4-FFF2-40B4-BE49-F238E27FC236}">
-                <a16:creationId xmlns:a16="http://schemas.microsoft.com/office/drawing/2014/main" xmlns="" id="{AD0CC255-9514-467B-8253-A93E3B92B0A3}"/>
+                <a16:creationId xmlns:a16="http://schemas.microsoft.com/office/drawing/2014/main" id="{AD0CC255-9514-467B-8253-A93E3B92B0A3}"/>
               </a:ext>
             </a:extLst>
           </p:cNvPr>
@@ -1192,7 +1192,7 @@
           <p:cNvPr id="6" name="Slide Number Placeholder 5">
             <a:extLst>
               <a:ext uri="{FF2B5EF4-FFF2-40B4-BE49-F238E27FC236}">
-                <a16:creationId xmlns:a16="http://schemas.microsoft.com/office/drawing/2014/main" xmlns="" id="{332C5E40-119C-4397-A39F-09858937C7D8}"/>
+                <a16:creationId xmlns:a16="http://schemas.microsoft.com/office/drawing/2014/main" id="{332C5E40-119C-4397-A39F-09858937C7D8}"/>
               </a:ext>
             </a:extLst>
           </p:cNvPr>
@@ -1251,7 +1251,7 @@
           <p:cNvPr id="2" name="Title 1">
             <a:extLst>
               <a:ext uri="{FF2B5EF4-FFF2-40B4-BE49-F238E27FC236}">
-                <a16:creationId xmlns:a16="http://schemas.microsoft.com/office/drawing/2014/main" xmlns="" id="{7A06B991-4111-4022-AF63-518C99B83673}"/>
+                <a16:creationId xmlns:a16="http://schemas.microsoft.com/office/drawing/2014/main" id="{7A06B991-4111-4022-AF63-518C99B83673}"/>
               </a:ext>
             </a:extLst>
           </p:cNvPr>
@@ -1280,7 +1280,7 @@
           <p:cNvPr id="3" name="Content Placeholder 2">
             <a:extLst>
               <a:ext uri="{FF2B5EF4-FFF2-40B4-BE49-F238E27FC236}">
-                <a16:creationId xmlns:a16="http://schemas.microsoft.com/office/drawing/2014/main" xmlns="" id="{B709F883-ECB0-423D-B0B2-7E7684221D1D}"/>
+                <a16:creationId xmlns:a16="http://schemas.microsoft.com/office/drawing/2014/main" id="{B709F883-ECB0-423D-B0B2-7E7684221D1D}"/>
               </a:ext>
             </a:extLst>
           </p:cNvPr>
@@ -1343,7 +1343,7 @@
           <p:cNvPr id="4" name="Content Placeholder 3">
             <a:extLst>
               <a:ext uri="{FF2B5EF4-FFF2-40B4-BE49-F238E27FC236}">
-                <a16:creationId xmlns:a16="http://schemas.microsoft.com/office/drawing/2014/main" xmlns="" id="{69DBD809-74E7-4C99-B938-74DD2E03AEA6}"/>
+                <a16:creationId xmlns:a16="http://schemas.microsoft.com/office/drawing/2014/main" id="{69DBD809-74E7-4C99-B938-74DD2E03AEA6}"/>
               </a:ext>
             </a:extLst>
           </p:cNvPr>
@@ -1406,7 +1406,7 @@
           <p:cNvPr id="5" name="Date Placeholder 4">
             <a:extLst>
               <a:ext uri="{FF2B5EF4-FFF2-40B4-BE49-F238E27FC236}">
-                <a16:creationId xmlns:a16="http://schemas.microsoft.com/office/drawing/2014/main" xmlns="" id="{D55D09E8-5E04-43D4-BBD6-C885BB261384}"/>
+                <a16:creationId xmlns:a16="http://schemas.microsoft.com/office/drawing/2014/main" id="{D55D09E8-5E04-43D4-BBD6-C885BB261384}"/>
               </a:ext>
             </a:extLst>
           </p:cNvPr>
@@ -1435,7 +1435,7 @@
           <p:cNvPr id="6" name="Footer Placeholder 5">
             <a:extLst>
               <a:ext uri="{FF2B5EF4-FFF2-40B4-BE49-F238E27FC236}">
-                <a16:creationId xmlns:a16="http://schemas.microsoft.com/office/drawing/2014/main" xmlns="" id="{99E11795-E616-4062-A86F-AAE4F602D20E}"/>
+                <a16:creationId xmlns:a16="http://schemas.microsoft.com/office/drawing/2014/main" id="{99E11795-E616-4062-A86F-AAE4F602D20E}"/>
               </a:ext>
             </a:extLst>
           </p:cNvPr>
@@ -1460,7 +1460,7 @@
           <p:cNvPr id="7" name="Slide Number Placeholder 6">
             <a:extLst>
               <a:ext uri="{FF2B5EF4-FFF2-40B4-BE49-F238E27FC236}">
-                <a16:creationId xmlns:a16="http://schemas.microsoft.com/office/drawing/2014/main" xmlns="" id="{F493213F-04D6-4C79-AB72-9382815B23CF}"/>
+                <a16:creationId xmlns:a16="http://schemas.microsoft.com/office/drawing/2014/main" id="{F493213F-04D6-4C79-AB72-9382815B23CF}"/>
               </a:ext>
             </a:extLst>
           </p:cNvPr>
@@ -1519,7 +1519,7 @@
           <p:cNvPr id="2" name="Title 1">
             <a:extLst>
               <a:ext uri="{FF2B5EF4-FFF2-40B4-BE49-F238E27FC236}">
-                <a16:creationId xmlns:a16="http://schemas.microsoft.com/office/drawing/2014/main" xmlns="" id="{208CCC15-7EE5-40E6-AE4D-2B8267D226A4}"/>
+                <a16:creationId xmlns:a16="http://schemas.microsoft.com/office/drawing/2014/main" id="{208CCC15-7EE5-40E6-AE4D-2B8267D226A4}"/>
               </a:ext>
             </a:extLst>
           </p:cNvPr>
@@ -1553,7 +1553,7 @@
           <p:cNvPr id="3" name="Text Placeholder 2">
             <a:extLst>
               <a:ext uri="{FF2B5EF4-FFF2-40B4-BE49-F238E27FC236}">
-                <a16:creationId xmlns:a16="http://schemas.microsoft.com/office/drawing/2014/main" xmlns="" id="{2C351977-1432-4CF6-B2FA-E74B31A4A21A}"/>
+                <a16:creationId xmlns:a16="http://schemas.microsoft.com/office/drawing/2014/main" id="{2C351977-1432-4CF6-B2FA-E74B31A4A21A}"/>
               </a:ext>
             </a:extLst>
           </p:cNvPr>
@@ -1624,7 +1624,7 @@
           <p:cNvPr id="4" name="Content Placeholder 3">
             <a:extLst>
               <a:ext uri="{FF2B5EF4-FFF2-40B4-BE49-F238E27FC236}">
-                <a16:creationId xmlns:a16="http://schemas.microsoft.com/office/drawing/2014/main" xmlns="" id="{2F5E2ADB-4141-4C34-95A2-AA44955092D5}"/>
+                <a16:creationId xmlns:a16="http://schemas.microsoft.com/office/drawing/2014/main" id="{2F5E2ADB-4141-4C34-95A2-AA44955092D5}"/>
               </a:ext>
             </a:extLst>
           </p:cNvPr>
@@ -1687,7 +1687,7 @@
           <p:cNvPr id="5" name="Text Placeholder 4">
             <a:extLst>
               <a:ext uri="{FF2B5EF4-FFF2-40B4-BE49-F238E27FC236}">
-                <a16:creationId xmlns:a16="http://schemas.microsoft.com/office/drawing/2014/main" xmlns="" id="{2C7DB392-B793-41E9-A4FE-4381578E273C}"/>
+                <a16:creationId xmlns:a16="http://schemas.microsoft.com/office/drawing/2014/main" id="{2C7DB392-B793-41E9-A4FE-4381578E273C}"/>
               </a:ext>
             </a:extLst>
           </p:cNvPr>
@@ -1758,7 +1758,7 @@
           <p:cNvPr id="6" name="Content Placeholder 5">
             <a:extLst>
               <a:ext uri="{FF2B5EF4-FFF2-40B4-BE49-F238E27FC236}">
-                <a16:creationId xmlns:a16="http://schemas.microsoft.com/office/drawing/2014/main" xmlns="" id="{A8E6E7C9-09C7-4CD0-BCFC-8422AB2070F3}"/>
+                <a16:creationId xmlns:a16="http://schemas.microsoft.com/office/drawing/2014/main" id="{A8E6E7C9-09C7-4CD0-BCFC-8422AB2070F3}"/>
               </a:ext>
             </a:extLst>
           </p:cNvPr>
@@ -1821,7 +1821,7 @@
           <p:cNvPr id="7" name="Date Placeholder 6">
             <a:extLst>
               <a:ext uri="{FF2B5EF4-FFF2-40B4-BE49-F238E27FC236}">
-                <a16:creationId xmlns:a16="http://schemas.microsoft.com/office/drawing/2014/main" xmlns="" id="{F5241E70-B8C6-47AA-9E50-2D08A46CE338}"/>
+                <a16:creationId xmlns:a16="http://schemas.microsoft.com/office/drawing/2014/main" id="{F5241E70-B8C6-47AA-9E50-2D08A46CE338}"/>
               </a:ext>
             </a:extLst>
           </p:cNvPr>
@@ -1850,7 +1850,7 @@
           <p:cNvPr id="8" name="Footer Placeholder 7">
             <a:extLst>
               <a:ext uri="{FF2B5EF4-FFF2-40B4-BE49-F238E27FC236}">
-                <a16:creationId xmlns:a16="http://schemas.microsoft.com/office/drawing/2014/main" xmlns="" id="{3474BFBE-6BBE-4B72-BF2A-3BF86C56E5DE}"/>
+                <a16:creationId xmlns:a16="http://schemas.microsoft.com/office/drawing/2014/main" id="{3474BFBE-6BBE-4B72-BF2A-3BF86C56E5DE}"/>
               </a:ext>
             </a:extLst>
           </p:cNvPr>
@@ -1875,7 +1875,7 @@
           <p:cNvPr id="9" name="Slide Number Placeholder 8">
             <a:extLst>
               <a:ext uri="{FF2B5EF4-FFF2-40B4-BE49-F238E27FC236}">
-                <a16:creationId xmlns:a16="http://schemas.microsoft.com/office/drawing/2014/main" xmlns="" id="{323B11BA-3D70-45F3-A603-5E501CB9C35E}"/>
+                <a16:creationId xmlns:a16="http://schemas.microsoft.com/office/drawing/2014/main" id="{323B11BA-3D70-45F3-A603-5E501CB9C35E}"/>
               </a:ext>
             </a:extLst>
           </p:cNvPr>
@@ -1934,7 +1934,7 @@
           <p:cNvPr id="2" name="Title 1">
             <a:extLst>
               <a:ext uri="{FF2B5EF4-FFF2-40B4-BE49-F238E27FC236}">
-                <a16:creationId xmlns:a16="http://schemas.microsoft.com/office/drawing/2014/main" xmlns="" id="{0C41DD4A-1AB9-495D-837B-AD38F03A4459}"/>
+                <a16:creationId xmlns:a16="http://schemas.microsoft.com/office/drawing/2014/main" id="{0C41DD4A-1AB9-495D-837B-AD38F03A4459}"/>
               </a:ext>
             </a:extLst>
           </p:cNvPr>
@@ -1963,7 +1963,7 @@
           <p:cNvPr id="3" name="Date Placeholder 2">
             <a:extLst>
               <a:ext uri="{FF2B5EF4-FFF2-40B4-BE49-F238E27FC236}">
-                <a16:creationId xmlns:a16="http://schemas.microsoft.com/office/drawing/2014/main" xmlns="" id="{41B3F5FA-AB56-40E6-A5DB-DF0C3125660A}"/>
+                <a16:creationId xmlns:a16="http://schemas.microsoft.com/office/drawing/2014/main" id="{41B3F5FA-AB56-40E6-A5DB-DF0C3125660A}"/>
               </a:ext>
             </a:extLst>
           </p:cNvPr>
@@ -1992,7 +1992,7 @@
           <p:cNvPr id="4" name="Footer Placeholder 3">
             <a:extLst>
               <a:ext uri="{FF2B5EF4-FFF2-40B4-BE49-F238E27FC236}">
-                <a16:creationId xmlns:a16="http://schemas.microsoft.com/office/drawing/2014/main" xmlns="" id="{562ADE76-EB45-4BDB-8566-B1EFBA6A4DF1}"/>
+                <a16:creationId xmlns:a16="http://schemas.microsoft.com/office/drawing/2014/main" id="{562ADE76-EB45-4BDB-8566-B1EFBA6A4DF1}"/>
               </a:ext>
             </a:extLst>
           </p:cNvPr>
@@ -2017,7 +2017,7 @@
           <p:cNvPr id="5" name="Slide Number Placeholder 4">
             <a:extLst>
               <a:ext uri="{FF2B5EF4-FFF2-40B4-BE49-F238E27FC236}">
-                <a16:creationId xmlns:a16="http://schemas.microsoft.com/office/drawing/2014/main" xmlns="" id="{079A4EC9-B703-42B5-8F73-1E1114D71D03}"/>
+                <a16:creationId xmlns:a16="http://schemas.microsoft.com/office/drawing/2014/main" id="{079A4EC9-B703-42B5-8F73-1E1114D71D03}"/>
               </a:ext>
             </a:extLst>
           </p:cNvPr>
@@ -2076,7 +2076,7 @@
           <p:cNvPr id="2" name="Date Placeholder 1">
             <a:extLst>
               <a:ext uri="{FF2B5EF4-FFF2-40B4-BE49-F238E27FC236}">
-                <a16:creationId xmlns:a16="http://schemas.microsoft.com/office/drawing/2014/main" xmlns="" id="{24BFDBE5-0842-4DDB-8579-B787A9E6599B}"/>
+                <a16:creationId xmlns:a16="http://schemas.microsoft.com/office/drawing/2014/main" id="{24BFDBE5-0842-4DDB-8579-B787A9E6599B}"/>
               </a:ext>
             </a:extLst>
           </p:cNvPr>
@@ -2105,7 +2105,7 @@
           <p:cNvPr id="3" name="Footer Placeholder 2">
             <a:extLst>
               <a:ext uri="{FF2B5EF4-FFF2-40B4-BE49-F238E27FC236}">
-                <a16:creationId xmlns:a16="http://schemas.microsoft.com/office/drawing/2014/main" xmlns="" id="{567D2AFE-BCD7-486D-9882-800861101923}"/>
+                <a16:creationId xmlns:a16="http://schemas.microsoft.com/office/drawing/2014/main" id="{567D2AFE-BCD7-486D-9882-800861101923}"/>
               </a:ext>
             </a:extLst>
           </p:cNvPr>
@@ -2130,7 +2130,7 @@
           <p:cNvPr id="4" name="Slide Number Placeholder 3">
             <a:extLst>
               <a:ext uri="{FF2B5EF4-FFF2-40B4-BE49-F238E27FC236}">
-                <a16:creationId xmlns:a16="http://schemas.microsoft.com/office/drawing/2014/main" xmlns="" id="{09EF280A-826F-4DAC-B402-BA4F1F9F54DB}"/>
+                <a16:creationId xmlns:a16="http://schemas.microsoft.com/office/drawing/2014/main" id="{09EF280A-826F-4DAC-B402-BA4F1F9F54DB}"/>
               </a:ext>
             </a:extLst>
           </p:cNvPr>
@@ -2189,7 +2189,7 @@
           <p:cNvPr id="2" name="Title 1">
             <a:extLst>
               <a:ext uri="{FF2B5EF4-FFF2-40B4-BE49-F238E27FC236}">
-                <a16:creationId xmlns:a16="http://schemas.microsoft.com/office/drawing/2014/main" xmlns="" id="{F3579749-3493-4AE1-B581-903D55B4A8E7}"/>
+                <a16:creationId xmlns:a16="http://schemas.microsoft.com/office/drawing/2014/main" id="{F3579749-3493-4AE1-B581-903D55B4A8E7}"/>
               </a:ext>
             </a:extLst>
           </p:cNvPr>
@@ -2227,7 +2227,7 @@
           <p:cNvPr id="3" name="Content Placeholder 2">
             <a:extLst>
               <a:ext uri="{FF2B5EF4-FFF2-40B4-BE49-F238E27FC236}">
-                <a16:creationId xmlns:a16="http://schemas.microsoft.com/office/drawing/2014/main" xmlns="" id="{5CF28E32-BC61-4EB4-99BA-29782023C964}"/>
+                <a16:creationId xmlns:a16="http://schemas.microsoft.com/office/drawing/2014/main" id="{5CF28E32-BC61-4EB4-99BA-29782023C964}"/>
               </a:ext>
             </a:extLst>
           </p:cNvPr>
@@ -2318,7 +2318,7 @@
           <p:cNvPr id="4" name="Text Placeholder 3">
             <a:extLst>
               <a:ext uri="{FF2B5EF4-FFF2-40B4-BE49-F238E27FC236}">
-                <a16:creationId xmlns:a16="http://schemas.microsoft.com/office/drawing/2014/main" xmlns="" id="{72611E4F-982F-4601-A265-F20BADEE729A}"/>
+                <a16:creationId xmlns:a16="http://schemas.microsoft.com/office/drawing/2014/main" id="{72611E4F-982F-4601-A265-F20BADEE729A}"/>
               </a:ext>
             </a:extLst>
           </p:cNvPr>
@@ -2389,7 +2389,7 @@
           <p:cNvPr id="5" name="Date Placeholder 4">
             <a:extLst>
               <a:ext uri="{FF2B5EF4-FFF2-40B4-BE49-F238E27FC236}">
-                <a16:creationId xmlns:a16="http://schemas.microsoft.com/office/drawing/2014/main" xmlns="" id="{47AAA5F4-4436-4A77-94F8-C6A8B8441567}"/>
+                <a16:creationId xmlns:a16="http://schemas.microsoft.com/office/drawing/2014/main" id="{47AAA5F4-4436-4A77-94F8-C6A8B8441567}"/>
               </a:ext>
             </a:extLst>
           </p:cNvPr>
@@ -2418,7 +2418,7 @@
           <p:cNvPr id="6" name="Footer Placeholder 5">
             <a:extLst>
               <a:ext uri="{FF2B5EF4-FFF2-40B4-BE49-F238E27FC236}">
-                <a16:creationId xmlns:a16="http://schemas.microsoft.com/office/drawing/2014/main" xmlns="" id="{61995FF8-AD12-4B7C-94E6-C1DD06F67824}"/>
+                <a16:creationId xmlns:a16="http://schemas.microsoft.com/office/drawing/2014/main" id="{61995FF8-AD12-4B7C-94E6-C1DD06F67824}"/>
               </a:ext>
             </a:extLst>
           </p:cNvPr>
@@ -2443,7 +2443,7 @@
           <p:cNvPr id="7" name="Slide Number Placeholder 6">
             <a:extLst>
               <a:ext uri="{FF2B5EF4-FFF2-40B4-BE49-F238E27FC236}">
-                <a16:creationId xmlns:a16="http://schemas.microsoft.com/office/drawing/2014/main" xmlns="" id="{68885A52-D451-4E6C-BB2F-A3B8FECAC03E}"/>
+                <a16:creationId xmlns:a16="http://schemas.microsoft.com/office/drawing/2014/main" id="{68885A52-D451-4E6C-BB2F-A3B8FECAC03E}"/>
               </a:ext>
             </a:extLst>
           </p:cNvPr>
@@ -2502,7 +2502,7 @@
           <p:cNvPr id="2" name="Title 1">
             <a:extLst>
               <a:ext uri="{FF2B5EF4-FFF2-40B4-BE49-F238E27FC236}">
-                <a16:creationId xmlns:a16="http://schemas.microsoft.com/office/drawing/2014/main" xmlns="" id="{C647ED3A-3DB2-4155-9E82-4B2FDFEB7DFB}"/>
+                <a16:creationId xmlns:a16="http://schemas.microsoft.com/office/drawing/2014/main" id="{C647ED3A-3DB2-4155-9E82-4B2FDFEB7DFB}"/>
               </a:ext>
             </a:extLst>
           </p:cNvPr>
@@ -2540,7 +2540,7 @@
           <p:cNvPr id="3" name="Picture Placeholder 2">
             <a:extLst>
               <a:ext uri="{FF2B5EF4-FFF2-40B4-BE49-F238E27FC236}">
-                <a16:creationId xmlns:a16="http://schemas.microsoft.com/office/drawing/2014/main" xmlns="" id="{C7397768-647C-47A9-A998-84396B14756E}"/>
+                <a16:creationId xmlns:a16="http://schemas.microsoft.com/office/drawing/2014/main" id="{C7397768-647C-47A9-A998-84396B14756E}"/>
               </a:ext>
             </a:extLst>
           </p:cNvPr>
@@ -2607,7 +2607,7 @@
           <p:cNvPr id="4" name="Text Placeholder 3">
             <a:extLst>
               <a:ext uri="{FF2B5EF4-FFF2-40B4-BE49-F238E27FC236}">
-                <a16:creationId xmlns:a16="http://schemas.microsoft.com/office/drawing/2014/main" xmlns="" id="{E7ED2DBC-8D71-4189-8CF1-A9816DF4972B}"/>
+                <a16:creationId xmlns:a16="http://schemas.microsoft.com/office/drawing/2014/main" id="{E7ED2DBC-8D71-4189-8CF1-A9816DF4972B}"/>
               </a:ext>
             </a:extLst>
           </p:cNvPr>
@@ -2678,7 +2678,7 @@
           <p:cNvPr id="5" name="Date Placeholder 4">
             <a:extLst>
               <a:ext uri="{FF2B5EF4-FFF2-40B4-BE49-F238E27FC236}">
-                <a16:creationId xmlns:a16="http://schemas.microsoft.com/office/drawing/2014/main" xmlns="" id="{B91E32BD-6474-4245-8F1F-5FBC653F8C87}"/>
+                <a16:creationId xmlns:a16="http://schemas.microsoft.com/office/drawing/2014/main" id="{B91E32BD-6474-4245-8F1F-5FBC653F8C87}"/>
               </a:ext>
             </a:extLst>
           </p:cNvPr>
@@ -2707,7 +2707,7 @@
           <p:cNvPr id="6" name="Footer Placeholder 5">
             <a:extLst>
               <a:ext uri="{FF2B5EF4-FFF2-40B4-BE49-F238E27FC236}">
-                <a16:creationId xmlns:a16="http://schemas.microsoft.com/office/drawing/2014/main" xmlns="" id="{7FE0C3A9-8881-41D4-B814-AC2E6DDB06F5}"/>
+                <a16:creationId xmlns:a16="http://schemas.microsoft.com/office/drawing/2014/main" id="{7FE0C3A9-8881-41D4-B814-AC2E6DDB06F5}"/>
               </a:ext>
             </a:extLst>
           </p:cNvPr>
@@ -2732,7 +2732,7 @@
           <p:cNvPr id="7" name="Slide Number Placeholder 6">
             <a:extLst>
               <a:ext uri="{FF2B5EF4-FFF2-40B4-BE49-F238E27FC236}">
-                <a16:creationId xmlns:a16="http://schemas.microsoft.com/office/drawing/2014/main" xmlns="" id="{6F6A0AA7-4BA1-49EA-8B44-6552145EBB0E}"/>
+                <a16:creationId xmlns:a16="http://schemas.microsoft.com/office/drawing/2014/main" id="{6F6A0AA7-4BA1-49EA-8B44-6552145EBB0E}"/>
               </a:ext>
             </a:extLst>
           </p:cNvPr>
@@ -2796,7 +2796,7 @@
           <p:cNvPr id="2" name="Title Placeholder 1">
             <a:extLst>
               <a:ext uri="{FF2B5EF4-FFF2-40B4-BE49-F238E27FC236}">
-                <a16:creationId xmlns:a16="http://schemas.microsoft.com/office/drawing/2014/main" xmlns="" id="{B53DBF92-6916-46A7-8BC9-1F3BA55133F8}"/>
+                <a16:creationId xmlns:a16="http://schemas.microsoft.com/office/drawing/2014/main" id="{B53DBF92-6916-46A7-8BC9-1F3BA55133F8}"/>
               </a:ext>
             </a:extLst>
           </p:cNvPr>
@@ -2835,7 +2835,7 @@
           <p:cNvPr id="3" name="Text Placeholder 2">
             <a:extLst>
               <a:ext uri="{FF2B5EF4-FFF2-40B4-BE49-F238E27FC236}">
-                <a16:creationId xmlns:a16="http://schemas.microsoft.com/office/drawing/2014/main" xmlns="" id="{5D44C065-0B3E-4F0B-AF6B-C3D43A8711FA}"/>
+                <a16:creationId xmlns:a16="http://schemas.microsoft.com/office/drawing/2014/main" id="{5D44C065-0B3E-4F0B-AF6B-C3D43A8711FA}"/>
               </a:ext>
             </a:extLst>
           </p:cNvPr>
@@ -2903,7 +2903,7 @@
           <p:cNvPr id="4" name="Date Placeholder 3">
             <a:extLst>
               <a:ext uri="{FF2B5EF4-FFF2-40B4-BE49-F238E27FC236}">
-                <a16:creationId xmlns:a16="http://schemas.microsoft.com/office/drawing/2014/main" xmlns="" id="{60AB3EAE-75F2-4AB7-BCE5-3A5F1A268F17}"/>
+                <a16:creationId xmlns:a16="http://schemas.microsoft.com/office/drawing/2014/main" id="{60AB3EAE-75F2-4AB7-BCE5-3A5F1A268F17}"/>
               </a:ext>
             </a:extLst>
           </p:cNvPr>
@@ -2950,7 +2950,7 @@
           <p:cNvPr id="5" name="Footer Placeholder 4">
             <a:extLst>
               <a:ext uri="{FF2B5EF4-FFF2-40B4-BE49-F238E27FC236}">
-                <a16:creationId xmlns:a16="http://schemas.microsoft.com/office/drawing/2014/main" xmlns="" id="{0EFAD0F6-C060-4DC4-AC74-32274E34D2C7}"/>
+                <a16:creationId xmlns:a16="http://schemas.microsoft.com/office/drawing/2014/main" id="{0EFAD0F6-C060-4DC4-AC74-32274E34D2C7}"/>
               </a:ext>
             </a:extLst>
           </p:cNvPr>
@@ -2993,7 +2993,7 @@
           <p:cNvPr id="6" name="Slide Number Placeholder 5">
             <a:extLst>
               <a:ext uri="{FF2B5EF4-FFF2-40B4-BE49-F238E27FC236}">
-                <a16:creationId xmlns:a16="http://schemas.microsoft.com/office/drawing/2014/main" xmlns="" id="{680812A6-6B6B-4536-9298-21D2AC96055A}"/>
+                <a16:creationId xmlns:a16="http://schemas.microsoft.com/office/drawing/2014/main" id="{680812A6-6B6B-4536-9298-21D2AC96055A}"/>
               </a:ext>
             </a:extLst>
           </p:cNvPr>
@@ -6085,7 +6085,7 @@
           <p:cNvPr id="48" name="文本框 43" descr="e7d195523061f1c0deeec63e560781cfd59afb0ea006f2a87ABB68BF51EA6619813959095094C18C62A12F549504892A4AAA8C1554C6663626E05CA27F281A14E6983772AFC3FB97135759321DEA3D70145073B7709DEAFA256CD57602346C569CD03E8246D33DA545568EA98FB062D63F616CDCDDC7C308D5561BD508072CED46FA16A315624C7F2FF57E77E923953F">
             <a:extLst>
               <a:ext uri="{FF2B5EF4-FFF2-40B4-BE49-F238E27FC236}">
-                <a16:creationId xmlns:a16="http://schemas.microsoft.com/office/drawing/2014/main" xmlns="" id="{E5105AD0-9756-4434-9D12-D1354292401B}"/>
+                <a16:creationId xmlns:a16="http://schemas.microsoft.com/office/drawing/2014/main" id="{E5105AD0-9756-4434-9D12-D1354292401B}"/>
               </a:ext>
             </a:extLst>
           </p:cNvPr>
@@ -6176,13 +6176,6 @@
   <p:clrMapOvr>
     <a:masterClrMapping/>
   </p:clrMapOvr>
-  <p:timing>
-    <p:tnLst>
-      <p:par>
-        <p:cTn id="1" dur="indefinite" restart="never" nodeType="tmRoot"/>
-      </p:par>
-    </p:tnLst>
-  </p:timing>
 </p:sld>
 </file>
 
@@ -6208,7 +6201,7 @@
           <p:cNvPr id="2" name="Title 1">
             <a:extLst>
               <a:ext uri="{FF2B5EF4-FFF2-40B4-BE49-F238E27FC236}">
-                <a16:creationId xmlns:a16="http://schemas.microsoft.com/office/drawing/2014/main" xmlns="" id="{3A276FD2-CBF9-4FCD-9CB3-E6E9D1B92F6A}"/>
+                <a16:creationId xmlns:a16="http://schemas.microsoft.com/office/drawing/2014/main" id="{3A276FD2-CBF9-4FCD-9CB3-E6E9D1B92F6A}"/>
               </a:ext>
             </a:extLst>
           </p:cNvPr>
@@ -6237,7 +6230,7 @@
           <p:cNvPr id="5" name="Content Placeholder 4" descr="Screen Clipping">
             <a:extLst>
               <a:ext uri="{FF2B5EF4-FFF2-40B4-BE49-F238E27FC236}">
-                <a16:creationId xmlns:a16="http://schemas.microsoft.com/office/drawing/2014/main" xmlns="" id="{68318196-B699-44EF-86FE-C3C95ED2A55A}"/>
+                <a16:creationId xmlns:a16="http://schemas.microsoft.com/office/drawing/2014/main" id="{68318196-B699-44EF-86FE-C3C95ED2A55A}"/>
               </a:ext>
             </a:extLst>
           </p:cNvPr>
@@ -6272,7 +6265,7 @@
           <p:cNvPr id="6" name="TextBox 5">
             <a:extLst>
               <a:ext uri="{FF2B5EF4-FFF2-40B4-BE49-F238E27FC236}">
-                <a16:creationId xmlns:a16="http://schemas.microsoft.com/office/drawing/2014/main" xmlns="" id="{856E1E99-1891-4835-8C77-0C093AEEFA2C}"/>
+                <a16:creationId xmlns:a16="http://schemas.microsoft.com/office/drawing/2014/main" id="{856E1E99-1891-4835-8C77-0C093AEEFA2C}"/>
               </a:ext>
             </a:extLst>
           </p:cNvPr>
@@ -6408,13 +6401,6 @@
   <p:clrMapOvr>
     <a:masterClrMapping/>
   </p:clrMapOvr>
-  <p:timing>
-    <p:tnLst>
-      <p:par>
-        <p:cTn id="1" dur="indefinite" restart="never" nodeType="tmRoot"/>
-      </p:par>
-    </p:tnLst>
-  </p:timing>
 </p:sld>
 </file>
 
@@ -6440,7 +6426,7 @@
           <p:cNvPr id="2" name="Title 1">
             <a:extLst>
               <a:ext uri="{FF2B5EF4-FFF2-40B4-BE49-F238E27FC236}">
-                <a16:creationId xmlns:a16="http://schemas.microsoft.com/office/drawing/2014/main" xmlns="" id="{EB3C16FE-BDC6-4E42-9E1A-FD8EA0E9523E}"/>
+                <a16:creationId xmlns:a16="http://schemas.microsoft.com/office/drawing/2014/main" id="{EB3C16FE-BDC6-4E42-9E1A-FD8EA0E9523E}"/>
               </a:ext>
             </a:extLst>
           </p:cNvPr>
@@ -6469,7 +6455,7 @@
           <p:cNvPr id="3" name="Content Placeholder 2">
             <a:extLst>
               <a:ext uri="{FF2B5EF4-FFF2-40B4-BE49-F238E27FC236}">
-                <a16:creationId xmlns:a16="http://schemas.microsoft.com/office/drawing/2014/main" xmlns="" id="{84980BBE-F3E8-4B7F-B0B9-3E206EC7BC0B}"/>
+                <a16:creationId xmlns:a16="http://schemas.microsoft.com/office/drawing/2014/main" id="{84980BBE-F3E8-4B7F-B0B9-3E206EC7BC0B}"/>
               </a:ext>
             </a:extLst>
           </p:cNvPr>
@@ -6482,7 +6468,7 @@
         </p:nvSpPr>
         <p:spPr>
           <a:xfrm>
-            <a:off x="876300" y="1816100"/>
+            <a:off x="6362700" y="1825625"/>
             <a:ext cx="4991099" cy="4351338"/>
           </a:xfrm>
         </p:spPr>
@@ -6590,70 +6576,6 @@
           </a:p>
         </p:txBody>
       </p:sp>
-      <p:pic>
-        <p:nvPicPr>
-          <p:cNvPr id="1026" name="Picture 2"/>
-          <p:cNvPicPr>
-            <a:picLocks noChangeAspect="1" noChangeArrowheads="1"/>
-          </p:cNvPicPr>
-          <p:nvPr/>
-        </p:nvPicPr>
-        <p:blipFill>
-          <a:blip r:embed="rId2">
-            <a:extLst>
-              <a:ext uri="{28A0092B-C50C-407E-A947-70E740481C1C}">
-                <a14:useLocalDpi xmlns:a14="http://schemas.microsoft.com/office/drawing/2010/main" val="0"/>
-              </a:ext>
-            </a:extLst>
-          </a:blip>
-          <a:srcRect/>
-          <a:stretch>
-            <a:fillRect/>
-          </a:stretch>
-        </p:blipFill>
-        <p:spPr bwMode="auto">
-          <a:xfrm>
-            <a:off x="6905625" y="247650"/>
-            <a:ext cx="3924300" cy="6248400"/>
-          </a:xfrm>
-          <a:prstGeom prst="rect">
-            <a:avLst/>
-          </a:prstGeom>
-          <a:noFill/>
-          <a:ln>
-            <a:noFill/>
-          </a:ln>
-          <a:effectLst/>
-          <a:extLst>
-            <a:ext uri="{909E8E84-426E-40DD-AFC4-6F175D3DCCD1}">
-              <a14:hiddenFill xmlns:a14="http://schemas.microsoft.com/office/drawing/2010/main">
-                <a:solidFill>
-                  <a:schemeClr val="accent1"/>
-                </a:solidFill>
-              </a14:hiddenFill>
-            </a:ext>
-            <a:ext uri="{91240B29-F687-4F45-9708-019B960494DF}">
-              <a14:hiddenLine xmlns:a14="http://schemas.microsoft.com/office/drawing/2010/main" w="9525">
-                <a:solidFill>
-                  <a:schemeClr val="tx1"/>
-                </a:solidFill>
-                <a:miter lim="800000"/>
-                <a:headEnd/>
-                <a:tailEnd/>
-              </a14:hiddenLine>
-            </a:ext>
-            <a:ext uri="{AF507438-7753-43E0-B8FC-AC1667EBCBE1}">
-              <a14:hiddenEffects xmlns:a14="http://schemas.microsoft.com/office/drawing/2010/main">
-                <a:effectLst>
-                  <a:outerShdw dist="35921" dir="2700000" algn="ctr" rotWithShape="0">
-                    <a:schemeClr val="bg2"/>
-                  </a:outerShdw>
-                </a:effectLst>
-              </a14:hiddenEffects>
-            </a:ext>
-          </a:extLst>
-        </p:spPr>
-      </p:pic>
     </p:spTree>
     <p:extLst>
       <p:ext uri="{BB962C8B-B14F-4D97-AF65-F5344CB8AC3E}">
@@ -6664,13 +6586,6 @@
   <p:clrMapOvr>
     <a:masterClrMapping/>
   </p:clrMapOvr>
-  <p:timing>
-    <p:tnLst>
-      <p:par>
-        <p:cTn id="1" dur="indefinite" restart="never" nodeType="tmRoot"/>
-      </p:par>
-    </p:tnLst>
-  </p:timing>
 </p:sld>
 </file>
 
@@ -6696,7 +6611,7 @@
           <p:cNvPr id="2" name="Title 1">
             <a:extLst>
               <a:ext uri="{FF2B5EF4-FFF2-40B4-BE49-F238E27FC236}">
-                <a16:creationId xmlns:a16="http://schemas.microsoft.com/office/drawing/2014/main" xmlns="" id="{9D3A5ECE-F0C8-4FD2-9D3B-0491D6E747E2}"/>
+                <a16:creationId xmlns:a16="http://schemas.microsoft.com/office/drawing/2014/main" id="{9D3A5ECE-F0C8-4FD2-9D3B-0491D6E747E2}"/>
               </a:ext>
             </a:extLst>
           </p:cNvPr>
@@ -6725,7 +6640,7 @@
           <p:cNvPr id="3" name="Content Placeholder 2">
             <a:extLst>
               <a:ext uri="{FF2B5EF4-FFF2-40B4-BE49-F238E27FC236}">
-                <a16:creationId xmlns:a16="http://schemas.microsoft.com/office/drawing/2014/main" xmlns="" id="{524CE176-86EE-48D5-B9DF-021DACAD5944}"/>
+                <a16:creationId xmlns:a16="http://schemas.microsoft.com/office/drawing/2014/main" id="{524CE176-86EE-48D5-B9DF-021DACAD5944}"/>
               </a:ext>
             </a:extLst>
           </p:cNvPr>
@@ -6745,198 +6660,6 @@
           </a:p>
         </p:txBody>
       </p:sp>
-      <p:pic>
-        <p:nvPicPr>
-          <p:cNvPr id="2050" name="Picture 2"/>
-          <p:cNvPicPr>
-            <a:picLocks noChangeAspect="1" noChangeArrowheads="1"/>
-          </p:cNvPicPr>
-          <p:nvPr/>
-        </p:nvPicPr>
-        <p:blipFill>
-          <a:blip r:embed="rId2">
-            <a:extLst>
-              <a:ext uri="{28A0092B-C50C-407E-A947-70E740481C1C}">
-                <a14:useLocalDpi xmlns:a14="http://schemas.microsoft.com/office/drawing/2010/main" val="0"/>
-              </a:ext>
-            </a:extLst>
-          </a:blip>
-          <a:srcRect/>
-          <a:stretch>
-            <a:fillRect/>
-          </a:stretch>
-        </p:blipFill>
-        <p:spPr bwMode="auto">
-          <a:xfrm>
-            <a:off x="3153840" y="1595437"/>
-            <a:ext cx="5812380" cy="4295772"/>
-          </a:xfrm>
-          <a:prstGeom prst="rect">
-            <a:avLst/>
-          </a:prstGeom>
-          <a:noFill/>
-          <a:ln>
-            <a:noFill/>
-          </a:ln>
-          <a:effectLst/>
-          <a:extLst>
-            <a:ext uri="{909E8E84-426E-40DD-AFC4-6F175D3DCCD1}">
-              <a14:hiddenFill xmlns:a14="http://schemas.microsoft.com/office/drawing/2010/main">
-                <a:solidFill>
-                  <a:schemeClr val="accent1"/>
-                </a:solidFill>
-              </a14:hiddenFill>
-            </a:ext>
-            <a:ext uri="{91240B29-F687-4F45-9708-019B960494DF}">
-              <a14:hiddenLine xmlns:a14="http://schemas.microsoft.com/office/drawing/2010/main" w="9525">
-                <a:solidFill>
-                  <a:schemeClr val="tx1"/>
-                </a:solidFill>
-                <a:miter lim="800000"/>
-                <a:headEnd/>
-                <a:tailEnd/>
-              </a14:hiddenLine>
-            </a:ext>
-            <a:ext uri="{AF507438-7753-43E0-B8FC-AC1667EBCBE1}">
-              <a14:hiddenEffects xmlns:a14="http://schemas.microsoft.com/office/drawing/2010/main">
-                <a:effectLst>
-                  <a:outerShdw dist="35921" dir="2700000" algn="ctr" rotWithShape="0">
-                    <a:schemeClr val="bg2"/>
-                  </a:outerShdw>
-                </a:effectLst>
-              </a14:hiddenEffects>
-            </a:ext>
-          </a:extLst>
-        </p:spPr>
-      </p:pic>
-      <p:pic>
-        <p:nvPicPr>
-          <p:cNvPr id="2052" name="Picture 4"/>
-          <p:cNvPicPr>
-            <a:picLocks noChangeAspect="1" noChangeArrowheads="1"/>
-          </p:cNvPicPr>
-          <p:nvPr/>
-        </p:nvPicPr>
-        <p:blipFill>
-          <a:blip r:embed="rId3">
-            <a:extLst>
-              <a:ext uri="{28A0092B-C50C-407E-A947-70E740481C1C}">
-                <a14:useLocalDpi xmlns:a14="http://schemas.microsoft.com/office/drawing/2010/main" val="0"/>
-              </a:ext>
-            </a:extLst>
-          </a:blip>
-          <a:srcRect/>
-          <a:stretch>
-            <a:fillRect/>
-          </a:stretch>
-        </p:blipFill>
-        <p:spPr bwMode="auto">
-          <a:xfrm>
-            <a:off x="5938106" y="676276"/>
-            <a:ext cx="6253894" cy="5676897"/>
-          </a:xfrm>
-          <a:prstGeom prst="rect">
-            <a:avLst/>
-          </a:prstGeom>
-          <a:noFill/>
-          <a:ln>
-            <a:noFill/>
-          </a:ln>
-          <a:effectLst/>
-          <a:extLst>
-            <a:ext uri="{909E8E84-426E-40DD-AFC4-6F175D3DCCD1}">
-              <a14:hiddenFill xmlns:a14="http://schemas.microsoft.com/office/drawing/2010/main">
-                <a:solidFill>
-                  <a:schemeClr val="accent1"/>
-                </a:solidFill>
-              </a14:hiddenFill>
-            </a:ext>
-            <a:ext uri="{91240B29-F687-4F45-9708-019B960494DF}">
-              <a14:hiddenLine xmlns:a14="http://schemas.microsoft.com/office/drawing/2010/main" w="9525">
-                <a:solidFill>
-                  <a:schemeClr val="tx1"/>
-                </a:solidFill>
-                <a:miter lim="800000"/>
-                <a:headEnd/>
-                <a:tailEnd/>
-              </a14:hiddenLine>
-            </a:ext>
-            <a:ext uri="{AF507438-7753-43E0-B8FC-AC1667EBCBE1}">
-              <a14:hiddenEffects xmlns:a14="http://schemas.microsoft.com/office/drawing/2010/main">
-                <a:effectLst>
-                  <a:outerShdw dist="35921" dir="2700000" algn="ctr" rotWithShape="0">
-                    <a:schemeClr val="bg2"/>
-                  </a:outerShdw>
-                </a:effectLst>
-              </a14:hiddenEffects>
-            </a:ext>
-          </a:extLst>
-        </p:spPr>
-      </p:pic>
-      <p:pic>
-        <p:nvPicPr>
-          <p:cNvPr id="2053" name="Picture 5"/>
-          <p:cNvPicPr>
-            <a:picLocks noChangeAspect="1" noChangeArrowheads="1"/>
-          </p:cNvPicPr>
-          <p:nvPr/>
-        </p:nvPicPr>
-        <p:blipFill>
-          <a:blip r:embed="rId4">
-            <a:extLst>
-              <a:ext uri="{28A0092B-C50C-407E-A947-70E740481C1C}">
-                <a14:useLocalDpi xmlns:a14="http://schemas.microsoft.com/office/drawing/2010/main" val="0"/>
-              </a:ext>
-            </a:extLst>
-          </a:blip>
-          <a:srcRect/>
-          <a:stretch>
-            <a:fillRect/>
-          </a:stretch>
-        </p:blipFill>
-        <p:spPr bwMode="auto">
-          <a:xfrm>
-            <a:off x="5146102" y="676275"/>
-            <a:ext cx="7045897" cy="5676897"/>
-          </a:xfrm>
-          <a:prstGeom prst="rect">
-            <a:avLst/>
-          </a:prstGeom>
-          <a:noFill/>
-          <a:ln>
-            <a:noFill/>
-          </a:ln>
-          <a:effectLst/>
-          <a:extLst>
-            <a:ext uri="{909E8E84-426E-40DD-AFC4-6F175D3DCCD1}">
-              <a14:hiddenFill xmlns:a14="http://schemas.microsoft.com/office/drawing/2010/main">
-                <a:solidFill>
-                  <a:schemeClr val="accent1"/>
-                </a:solidFill>
-              </a14:hiddenFill>
-            </a:ext>
-            <a:ext uri="{91240B29-F687-4F45-9708-019B960494DF}">
-              <a14:hiddenLine xmlns:a14="http://schemas.microsoft.com/office/drawing/2010/main" w="9525">
-                <a:solidFill>
-                  <a:schemeClr val="tx1"/>
-                </a:solidFill>
-                <a:miter lim="800000"/>
-                <a:headEnd/>
-                <a:tailEnd/>
-              </a14:hiddenLine>
-            </a:ext>
-            <a:ext uri="{AF507438-7753-43E0-B8FC-AC1667EBCBE1}">
-              <a14:hiddenEffects xmlns:a14="http://schemas.microsoft.com/office/drawing/2010/main">
-                <a:effectLst>
-                  <a:outerShdw dist="35921" dir="2700000" algn="ctr" rotWithShape="0">
-                    <a:schemeClr val="bg2"/>
-                  </a:outerShdw>
-                </a:effectLst>
-              </a14:hiddenEffects>
-            </a:ext>
-          </a:extLst>
-        </p:spPr>
-      </p:pic>
     </p:spTree>
     <p:extLst>
       <p:ext uri="{BB962C8B-B14F-4D97-AF65-F5344CB8AC3E}">
@@ -6947,172 +6670,6 @@
   <p:clrMapOvr>
     <a:masterClrMapping/>
   </p:clrMapOvr>
-  <p:timing>
-    <p:tnLst>
-      <p:par>
-        <p:cTn id="1" dur="indefinite" restart="never" nodeType="tmRoot">
-          <p:childTnLst>
-            <p:seq concurrent="1" nextAc="seek">
-              <p:cTn id="2" dur="indefinite" nodeType="mainSeq">
-                <p:childTnLst>
-                  <p:par>
-                    <p:cTn id="3" fill="hold">
-                      <p:stCondLst>
-                        <p:cond delay="indefinite"/>
-                      </p:stCondLst>
-                      <p:childTnLst>
-                        <p:par>
-                          <p:cTn id="4" fill="hold">
-                            <p:stCondLst>
-                              <p:cond delay="0"/>
-                            </p:stCondLst>
-                            <p:childTnLst>
-                              <p:par>
-                                <p:cTn id="5" presetID="35" presetClass="path" presetSubtype="0" accel="50000" decel="50000" fill="hold" nodeType="clickEffect">
-                                  <p:stCondLst>
-                                    <p:cond delay="0"/>
-                                  </p:stCondLst>
-                                  <p:childTnLst>
-                                    <p:animMotion origin="layout" path="M 0 0 L -0.25 0 E" pathEditMode="relative" ptsTypes="">
-                                      <p:cBhvr>
-                                        <p:cTn id="6" dur="2000" fill="hold"/>
-                                        <p:tgtEl>
-                                          <p:spTgt spid="2050"/>
-                                        </p:tgtEl>
-                                        <p:attrNameLst>
-                                          <p:attrName>ppt_x</p:attrName>
-                                          <p:attrName>ppt_y</p:attrName>
-                                        </p:attrNameLst>
-                                      </p:cBhvr>
-                                    </p:animMotion>
-                                  </p:childTnLst>
-                                </p:cTn>
-                              </p:par>
-                            </p:childTnLst>
-                          </p:cTn>
-                        </p:par>
-                        <p:par>
-                          <p:cTn id="7" fill="hold">
-                            <p:stCondLst>
-                              <p:cond delay="2000"/>
-                            </p:stCondLst>
-                            <p:childTnLst>
-                              <p:par>
-                                <p:cTn id="8" presetID="10" presetClass="entr" presetSubtype="0" fill="hold" nodeType="afterEffect">
-                                  <p:stCondLst>
-                                    <p:cond delay="0"/>
-                                  </p:stCondLst>
-                                  <p:childTnLst>
-                                    <p:set>
-                                      <p:cBhvr>
-                                        <p:cTn id="9" dur="1" fill="hold">
-                                          <p:stCondLst>
-                                            <p:cond delay="0"/>
-                                          </p:stCondLst>
-                                        </p:cTn>
-                                        <p:tgtEl>
-                                          <p:spTgt spid="2052"/>
-                                        </p:tgtEl>
-                                        <p:attrNameLst>
-                                          <p:attrName>style.visibility</p:attrName>
-                                        </p:attrNameLst>
-                                      </p:cBhvr>
-                                      <p:to>
-                                        <p:strVal val="visible"/>
-                                      </p:to>
-                                    </p:set>
-                                    <p:animEffect transition="in" filter="fade">
-                                      <p:cBhvr>
-                                        <p:cTn id="10" dur="500"/>
-                                        <p:tgtEl>
-                                          <p:spTgt spid="2052"/>
-                                        </p:tgtEl>
-                                      </p:cBhvr>
-                                    </p:animEffect>
-                                  </p:childTnLst>
-                                </p:cTn>
-                              </p:par>
-                            </p:childTnLst>
-                          </p:cTn>
-                        </p:par>
-                      </p:childTnLst>
-                    </p:cTn>
-                  </p:par>
-                  <p:par>
-                    <p:cTn id="11" fill="hold">
-                      <p:stCondLst>
-                        <p:cond delay="indefinite"/>
-                      </p:stCondLst>
-                      <p:childTnLst>
-                        <p:par>
-                          <p:cTn id="12" fill="hold">
-                            <p:stCondLst>
-                              <p:cond delay="0"/>
-                            </p:stCondLst>
-                            <p:childTnLst>
-                              <p:par>
-                                <p:cTn id="13" presetID="10" presetClass="entr" presetSubtype="0" fill="hold" nodeType="clickEffect">
-                                  <p:stCondLst>
-                                    <p:cond delay="0"/>
-                                  </p:stCondLst>
-                                  <p:childTnLst>
-                                    <p:set>
-                                      <p:cBhvr>
-                                        <p:cTn id="14" dur="1" fill="hold">
-                                          <p:stCondLst>
-                                            <p:cond delay="0"/>
-                                          </p:stCondLst>
-                                        </p:cTn>
-                                        <p:tgtEl>
-                                          <p:spTgt spid="2053"/>
-                                        </p:tgtEl>
-                                        <p:attrNameLst>
-                                          <p:attrName>style.visibility</p:attrName>
-                                        </p:attrNameLst>
-                                      </p:cBhvr>
-                                      <p:to>
-                                        <p:strVal val="visible"/>
-                                      </p:to>
-                                    </p:set>
-                                    <p:animEffect transition="in" filter="fade">
-                                      <p:cBhvr>
-                                        <p:cTn id="15" dur="500"/>
-                                        <p:tgtEl>
-                                          <p:spTgt spid="2053"/>
-                                        </p:tgtEl>
-                                      </p:cBhvr>
-                                    </p:animEffect>
-                                  </p:childTnLst>
-                                </p:cTn>
-                              </p:par>
-                            </p:childTnLst>
-                          </p:cTn>
-                        </p:par>
-                      </p:childTnLst>
-                    </p:cTn>
-                  </p:par>
-                </p:childTnLst>
-              </p:cTn>
-              <p:prevCondLst>
-                <p:cond evt="onPrev" delay="0">
-                  <p:tgtEl>
-                    <p:sldTgt/>
-                  </p:tgtEl>
-                </p:cond>
-              </p:prevCondLst>
-              <p:nextCondLst>
-                <p:cond evt="onNext" delay="0">
-                  <p:tgtEl>
-                    <p:sldTgt/>
-                  </p:tgtEl>
-                </p:cond>
-              </p:nextCondLst>
-            </p:seq>
-          </p:childTnLst>
-        </p:cTn>
-      </p:par>
-    </p:tnLst>
-  </p:timing>
 </p:sld>
 </file>
 
@@ -7138,7 +6695,7 @@
           <p:cNvPr id="2" name="Title 1">
             <a:extLst>
               <a:ext uri="{FF2B5EF4-FFF2-40B4-BE49-F238E27FC236}">
-                <a16:creationId xmlns:a16="http://schemas.microsoft.com/office/drawing/2014/main" xmlns="" id="{F42B4C9A-CC5D-407D-A955-57437CBDB9A4}"/>
+                <a16:creationId xmlns:a16="http://schemas.microsoft.com/office/drawing/2014/main" id="{F42B4C9A-CC5D-407D-A955-57437CBDB9A4}"/>
               </a:ext>
             </a:extLst>
           </p:cNvPr>
@@ -7175,7 +6732,7 @@
           <p:cNvPr id="5" name="Content Placeholder 4" descr="Screen Clipping">
             <a:extLst>
               <a:ext uri="{FF2B5EF4-FFF2-40B4-BE49-F238E27FC236}">
-                <a16:creationId xmlns:a16="http://schemas.microsoft.com/office/drawing/2014/main" xmlns="" id="{1993C2F0-8E0A-46A4-A519-738D604F4450}"/>
+                <a16:creationId xmlns:a16="http://schemas.microsoft.com/office/drawing/2014/main" id="{1993C2F0-8E0A-46A4-A519-738D604F4450}"/>
               </a:ext>
             </a:extLst>
           </p:cNvPr>
@@ -7210,7 +6767,7 @@
           <p:cNvPr id="6" name="Content Placeholder 8" descr="Screen Clipping">
             <a:extLst>
               <a:ext uri="{FF2B5EF4-FFF2-40B4-BE49-F238E27FC236}">
-                <a16:creationId xmlns:a16="http://schemas.microsoft.com/office/drawing/2014/main" xmlns="" id="{0AAC19D9-F86D-4C3E-84E8-1F3721757586}"/>
+                <a16:creationId xmlns:a16="http://schemas.microsoft.com/office/drawing/2014/main" id="{0AAC19D9-F86D-4C3E-84E8-1F3721757586}"/>
               </a:ext>
             </a:extLst>
           </p:cNvPr>
@@ -7220,7 +6777,7 @@
           <p:nvPr/>
         </p:nvPicPr>
         <p:blipFill>
-          <a:blip r:embed="rId3" cstate="print">
+          <a:blip r:embed="rId3">
             <a:extLst>
               <a:ext uri="{28A0092B-C50C-407E-A947-70E740481C1C}">
                 <a14:useLocalDpi xmlns:a14="http://schemas.microsoft.com/office/drawing/2010/main" val="0"/>
@@ -7246,7 +6803,7 @@
           <p:cNvPr id="7" name="Picture 6" descr="Screen Clipping">
             <a:extLst>
               <a:ext uri="{FF2B5EF4-FFF2-40B4-BE49-F238E27FC236}">
-                <a16:creationId xmlns:a16="http://schemas.microsoft.com/office/drawing/2014/main" xmlns="" id="{40D782C7-A445-44EF-8130-0FC7178D0713}"/>
+                <a16:creationId xmlns:a16="http://schemas.microsoft.com/office/drawing/2014/main" id="{40D782C7-A445-44EF-8130-0FC7178D0713}"/>
               </a:ext>
             </a:extLst>
           </p:cNvPr>
@@ -7256,7 +6813,7 @@
           <p:nvPr/>
         </p:nvPicPr>
         <p:blipFill>
-          <a:blip r:embed="rId4" cstate="print">
+          <a:blip r:embed="rId4">
             <a:extLst>
               <a:ext uri="{28A0092B-C50C-407E-A947-70E740481C1C}">
                 <a14:useLocalDpi xmlns:a14="http://schemas.microsoft.com/office/drawing/2010/main" val="0"/>
@@ -7287,13 +6844,6 @@
   <p:clrMapOvr>
     <a:masterClrMapping/>
   </p:clrMapOvr>
-  <p:timing>
-    <p:tnLst>
-      <p:par>
-        <p:cTn id="1" dur="indefinite" restart="never" nodeType="tmRoot"/>
-      </p:par>
-    </p:tnLst>
-  </p:timing>
 </p:sld>
 </file>
 
@@ -7319,7 +6869,7 @@
           <p:cNvPr id="2" name="Title 1">
             <a:extLst>
               <a:ext uri="{FF2B5EF4-FFF2-40B4-BE49-F238E27FC236}">
-                <a16:creationId xmlns:a16="http://schemas.microsoft.com/office/drawing/2014/main" xmlns="" id="{D7E3162A-A582-4236-AE2B-31F80B66D866}"/>
+                <a16:creationId xmlns:a16="http://schemas.microsoft.com/office/drawing/2014/main" id="{D7E3162A-A582-4236-AE2B-31F80B66D866}"/>
               </a:ext>
             </a:extLst>
           </p:cNvPr>
@@ -7352,7 +6902,7 @@
           <p:cNvPr id="9" name="Content Placeholder 8" descr="Screen Clipping">
             <a:extLst>
               <a:ext uri="{FF2B5EF4-FFF2-40B4-BE49-F238E27FC236}">
-                <a16:creationId xmlns:a16="http://schemas.microsoft.com/office/drawing/2014/main" xmlns="" id="{8E3FC8B8-F176-410C-A629-898E0B2DC0E8}"/>
+                <a16:creationId xmlns:a16="http://schemas.microsoft.com/office/drawing/2014/main" id="{8E3FC8B8-F176-410C-A629-898E0B2DC0E8}"/>
               </a:ext>
             </a:extLst>
           </p:cNvPr>
@@ -7364,7 +6914,7 @@
           </p:nvPr>
         </p:nvPicPr>
         <p:blipFill>
-          <a:blip r:embed="rId2" cstate="print">
+          <a:blip r:embed="rId2">
             <a:extLst>
               <a:ext uri="{28A0092B-C50C-407E-A947-70E740481C1C}">
                 <a14:useLocalDpi xmlns:a14="http://schemas.microsoft.com/office/drawing/2010/main" val="0"/>
@@ -7387,7 +6937,7 @@
           <p:cNvPr id="11" name="Picture 10" descr="Screen Clipping">
             <a:extLst>
               <a:ext uri="{FF2B5EF4-FFF2-40B4-BE49-F238E27FC236}">
-                <a16:creationId xmlns:a16="http://schemas.microsoft.com/office/drawing/2014/main" xmlns="" id="{31D84541-2A2D-4B97-A0CC-D70621F39612}"/>
+                <a16:creationId xmlns:a16="http://schemas.microsoft.com/office/drawing/2014/main" id="{31D84541-2A2D-4B97-A0CC-D70621F39612}"/>
               </a:ext>
             </a:extLst>
           </p:cNvPr>
@@ -7423,7 +6973,7 @@
           <p:cNvPr id="13" name="Picture 12" descr="Screen Clipping">
             <a:extLst>
               <a:ext uri="{FF2B5EF4-FFF2-40B4-BE49-F238E27FC236}">
-                <a16:creationId xmlns:a16="http://schemas.microsoft.com/office/drawing/2014/main" xmlns="" id="{B5CC942E-D772-4ECD-B277-34C7EDFE5166}"/>
+                <a16:creationId xmlns:a16="http://schemas.microsoft.com/office/drawing/2014/main" id="{B5CC942E-D772-4ECD-B277-34C7EDFE5166}"/>
               </a:ext>
             </a:extLst>
           </p:cNvPr>
@@ -7433,7 +6983,7 @@
           <p:nvPr/>
         </p:nvPicPr>
         <p:blipFill>
-          <a:blip r:embed="rId4" cstate="print">
+          <a:blip r:embed="rId4">
             <a:extLst>
               <a:ext uri="{28A0092B-C50C-407E-A947-70E740481C1C}">
                 <a14:useLocalDpi xmlns:a14="http://schemas.microsoft.com/office/drawing/2010/main" val="0"/>
@@ -7459,7 +7009,7 @@
           <p:cNvPr id="15" name="Picture 14" descr="Screen Clipping">
             <a:extLst>
               <a:ext uri="{FF2B5EF4-FFF2-40B4-BE49-F238E27FC236}">
-                <a16:creationId xmlns:a16="http://schemas.microsoft.com/office/drawing/2014/main" xmlns="" id="{2690366B-9AFA-4978-950B-6481D8BF9B46}"/>
+                <a16:creationId xmlns:a16="http://schemas.microsoft.com/office/drawing/2014/main" id="{2690366B-9AFA-4978-950B-6481D8BF9B46}"/>
               </a:ext>
             </a:extLst>
           </p:cNvPr>
@@ -7495,7 +7045,7 @@
           <p:cNvPr id="17" name="Picture 16" descr="Screen Clipping">
             <a:extLst>
               <a:ext uri="{FF2B5EF4-FFF2-40B4-BE49-F238E27FC236}">
-                <a16:creationId xmlns:a16="http://schemas.microsoft.com/office/drawing/2014/main" xmlns="" id="{FC1DAE77-2544-42AC-8F9B-40EAFD02478B}"/>
+                <a16:creationId xmlns:a16="http://schemas.microsoft.com/office/drawing/2014/main" id="{FC1DAE77-2544-42AC-8F9B-40EAFD02478B}"/>
               </a:ext>
             </a:extLst>
           </p:cNvPr>
@@ -7505,7 +7055,7 @@
           <p:nvPr/>
         </p:nvPicPr>
         <p:blipFill>
-          <a:blip r:embed="rId6" cstate="print">
+          <a:blip r:embed="rId6">
             <a:extLst>
               <a:ext uri="{28A0092B-C50C-407E-A947-70E740481C1C}">
                 <a14:useLocalDpi xmlns:a14="http://schemas.microsoft.com/office/drawing/2010/main" val="0"/>
@@ -7531,7 +7081,7 @@
           <p:cNvPr id="19" name="Picture 18" descr="Screen Clipping">
             <a:extLst>
               <a:ext uri="{FF2B5EF4-FFF2-40B4-BE49-F238E27FC236}">
-                <a16:creationId xmlns:a16="http://schemas.microsoft.com/office/drawing/2014/main" xmlns="" id="{0BA180F8-1CA0-47AB-825A-D9BAF801EA25}"/>
+                <a16:creationId xmlns:a16="http://schemas.microsoft.com/office/drawing/2014/main" id="{0BA180F8-1CA0-47AB-825A-D9BAF801EA25}"/>
               </a:ext>
             </a:extLst>
           </p:cNvPr>
@@ -7541,7 +7091,7 @@
           <p:nvPr/>
         </p:nvPicPr>
         <p:blipFill>
-          <a:blip r:embed="rId7" cstate="print">
+          <a:blip r:embed="rId7">
             <a:extLst>
               <a:ext uri="{28A0092B-C50C-407E-A947-70E740481C1C}">
                 <a14:useLocalDpi xmlns:a14="http://schemas.microsoft.com/office/drawing/2010/main" val="0"/>
@@ -7567,7 +7117,7 @@
           <p:cNvPr id="21" name="Picture 20" descr="Screen Clipping">
             <a:extLst>
               <a:ext uri="{FF2B5EF4-FFF2-40B4-BE49-F238E27FC236}">
-                <a16:creationId xmlns:a16="http://schemas.microsoft.com/office/drawing/2014/main" xmlns="" id="{0DED0528-673D-4EFB-90F2-8A62C02DD261}"/>
+                <a16:creationId xmlns:a16="http://schemas.microsoft.com/office/drawing/2014/main" id="{0DED0528-673D-4EFB-90F2-8A62C02DD261}"/>
               </a:ext>
             </a:extLst>
           </p:cNvPr>
@@ -7577,7 +7127,7 @@
           <p:nvPr/>
         </p:nvPicPr>
         <p:blipFill>
-          <a:blip r:embed="rId8" cstate="print">
+          <a:blip r:embed="rId8">
             <a:extLst>
               <a:ext uri="{28A0092B-C50C-407E-A947-70E740481C1C}">
                 <a14:useLocalDpi xmlns:a14="http://schemas.microsoft.com/office/drawing/2010/main" val="0"/>
@@ -7603,7 +7153,7 @@
           <p:cNvPr id="23" name="Picture 22" descr="Screen Clipping">
             <a:extLst>
               <a:ext uri="{FF2B5EF4-FFF2-40B4-BE49-F238E27FC236}">
-                <a16:creationId xmlns:a16="http://schemas.microsoft.com/office/drawing/2014/main" xmlns="" id="{CBF808C5-6A62-41D3-B789-5B589DAA7126}"/>
+                <a16:creationId xmlns:a16="http://schemas.microsoft.com/office/drawing/2014/main" id="{CBF808C5-6A62-41D3-B789-5B589DAA7126}"/>
               </a:ext>
             </a:extLst>
           </p:cNvPr>
@@ -7613,7 +7163,7 @@
           <p:nvPr/>
         </p:nvPicPr>
         <p:blipFill>
-          <a:blip r:embed="rId9" cstate="print">
+          <a:blip r:embed="rId9">
             <a:extLst>
               <a:ext uri="{28A0092B-C50C-407E-A947-70E740481C1C}">
                 <a14:useLocalDpi xmlns:a14="http://schemas.microsoft.com/office/drawing/2010/main" val="0"/>
@@ -7644,13 +7194,6 @@
   <p:clrMapOvr>
     <a:masterClrMapping/>
   </p:clrMapOvr>
-  <p:timing>
-    <p:tnLst>
-      <p:par>
-        <p:cTn id="1" dur="indefinite" restart="never" nodeType="tmRoot"/>
-      </p:par>
-    </p:tnLst>
-  </p:timing>
 </p:sld>
 </file>
 
@@ -7697,7 +7240,7 @@
     </a:clrScheme>
     <a:fontScheme name="Office">
       <a:majorFont>
-        <a:latin typeface="Calibri Light"/>
+        <a:latin typeface="Calibri Light" panose="020F0302020204030204"/>
         <a:ea typeface=""/>
         <a:cs typeface=""/>
         <a:font script="Jpan" typeface="游ゴシック Light"/>
@@ -7749,7 +7292,7 @@
         <a:font script="Tfng" typeface="Ebrima"/>
       </a:majorFont>
       <a:minorFont>
-        <a:latin typeface="Calibri"/>
+        <a:latin typeface="Calibri" panose="020F0502020204030204"/>
         <a:ea typeface=""/>
         <a:cs typeface=""/>
         <a:font script="Jpan" typeface="游ゴシック"/>
@@ -7943,7 +7486,7 @@
   <a:extraClrSchemeLst/>
   <a:extLst>
     <a:ext uri="{05A4C25C-085E-4340-85A3-A5531E510DB2}">
-      <thm15:themeFamily xmlns:thm15="http://schemas.microsoft.com/office/thememl/2012/main" xmlns="" name="Office Theme" id="{62F939B6-93AF-4DB8-9C6B-D6C7DFDC589F}" vid="{4A3C46E8-61CC-4603-A589-7422A47A8E4A}"/>
+      <thm15:themeFamily xmlns:thm15="http://schemas.microsoft.com/office/thememl/2012/main" name="Office Theme" id="{62F939B6-93AF-4DB8-9C6B-D6C7DFDC589F}" vid="{4A3C46E8-61CC-4603-A589-7422A47A8E4A}"/>
     </a:ext>
   </a:extLst>
 </a:theme>
